--- a/MS-net.pptx
+++ b/MS-net.pptx
@@ -5,7 +5,7 @@
     <p:sldMasterId id="2147483672" r:id="rId1"/>
   </p:sldMasterIdLst>
   <p:notesMasterIdLst>
-    <p:notesMasterId r:id="rId32"/>
+    <p:notesMasterId r:id="rId34"/>
   </p:notesMasterIdLst>
   <p:sldIdLst>
     <p:sldId id="256" r:id="rId2"/>
@@ -38,6 +38,8 @@
     <p:sldId id="284" r:id="rId29"/>
     <p:sldId id="285" r:id="rId30"/>
     <p:sldId id="286" r:id="rId31"/>
+    <p:sldId id="287" r:id="rId32"/>
+    <p:sldId id="288" r:id="rId33"/>
   </p:sldIdLst>
   <p:sldSz cx="12192000" cy="6858000"/>
   <p:notesSz cx="6858000" cy="9144000"/>
@@ -226,7 +228,7 @@
           <a:p>
             <a:fld id="{E9867F42-163E-485B-BCCE-0D953556CA3A}" type="datetimeFigureOut">
               <a:rPr lang="en-IN" smtClean="0"/>
-              <a:t>10-01-2020</a:t>
+              <a:t>20/01/2020</a:t>
             </a:fld>
             <a:endParaRPr lang="en-IN"/>
           </a:p>
@@ -1401,6 +1403,183 @@
 </p:notes>
 </file>
 
+<file path=ppt/notesSlides/notesSlide17.xml><?xml version="1.0" encoding="utf-8"?>
+<p:notes xmlns:a="http://schemas.openxmlformats.org/drawingml/2006/main" xmlns:r="http://schemas.openxmlformats.org/officeDocument/2006/relationships" xmlns:p="http://schemas.openxmlformats.org/presentationml/2006/main">
+  <p:cSld>
+    <p:spTree>
+      <p:nvGrpSpPr>
+        <p:cNvPr id="1" name=""/>
+        <p:cNvGrpSpPr/>
+        <p:nvPr/>
+      </p:nvGrpSpPr>
+      <p:grpSpPr>
+        <a:xfrm>
+          <a:off x="0" y="0"/>
+          <a:ext cx="0" cy="0"/>
+          <a:chOff x="0" y="0"/>
+          <a:chExt cx="0" cy="0"/>
+        </a:xfrm>
+      </p:grpSpPr>
+      <p:sp>
+        <p:nvSpPr>
+          <p:cNvPr id="2" name="Slide Image Placeholder 1"/>
+          <p:cNvSpPr>
+            <a:spLocks noGrp="1" noRot="1" noChangeAspect="1"/>
+          </p:cNvSpPr>
+          <p:nvPr>
+            <p:ph type="sldImg"/>
+          </p:nvPr>
+        </p:nvSpPr>
+        <p:spPr/>
+      </p:sp>
+      <p:sp>
+        <p:nvSpPr>
+          <p:cNvPr id="3" name="Notes Placeholder 2"/>
+          <p:cNvSpPr>
+            <a:spLocks noGrp="1"/>
+          </p:cNvSpPr>
+          <p:nvPr>
+            <p:ph type="body" idx="1"/>
+          </p:nvPr>
+        </p:nvSpPr>
+        <p:spPr/>
+        <p:txBody>
+          <a:bodyPr/>
+          <a:lstStyle/>
+          <a:p>
+            <a:endParaRPr lang="en-IN" dirty="0"/>
+          </a:p>
+        </p:txBody>
+      </p:sp>
+      <p:sp>
+        <p:nvSpPr>
+          <p:cNvPr id="4" name="Slide Number Placeholder 3"/>
+          <p:cNvSpPr>
+            <a:spLocks noGrp="1"/>
+          </p:cNvSpPr>
+          <p:nvPr>
+            <p:ph type="sldNum" sz="quarter" idx="10"/>
+          </p:nvPr>
+        </p:nvSpPr>
+        <p:spPr/>
+        <p:txBody>
+          <a:bodyPr/>
+          <a:lstStyle/>
+          <a:p>
+            <a:fld id="{F7D64812-BD05-41A4-BE5F-7C7798D7A182}" type="slidenum">
+              <a:rPr lang="en-IN" smtClean="0"/>
+              <a:t>30</a:t>
+            </a:fld>
+            <a:endParaRPr lang="en-IN"/>
+          </a:p>
+        </p:txBody>
+      </p:sp>
+    </p:spTree>
+    <p:extLst>
+      <p:ext uri="{BB962C8B-B14F-4D97-AF65-F5344CB8AC3E}">
+        <p14:creationId xmlns:p14="http://schemas.microsoft.com/office/powerpoint/2010/main" val="84634949"/>
+      </p:ext>
+    </p:extLst>
+  </p:cSld>
+  <p:clrMapOvr>
+    <a:masterClrMapping/>
+  </p:clrMapOvr>
+</p:notes>
+</file>
+
+<file path=ppt/notesSlides/notesSlide18.xml><?xml version="1.0" encoding="utf-8"?>
+<p:notes xmlns:a="http://schemas.openxmlformats.org/drawingml/2006/main" xmlns:r="http://schemas.openxmlformats.org/officeDocument/2006/relationships" xmlns:p="http://schemas.openxmlformats.org/presentationml/2006/main">
+  <p:cSld>
+    <p:spTree>
+      <p:nvGrpSpPr>
+        <p:cNvPr id="1" name=""/>
+        <p:cNvGrpSpPr/>
+        <p:nvPr/>
+      </p:nvGrpSpPr>
+      <p:grpSpPr>
+        <a:xfrm>
+          <a:off x="0" y="0"/>
+          <a:ext cx="0" cy="0"/>
+          <a:chOff x="0" y="0"/>
+          <a:chExt cx="0" cy="0"/>
+        </a:xfrm>
+      </p:grpSpPr>
+      <p:sp>
+        <p:nvSpPr>
+          <p:cNvPr id="2" name="Slide Image Placeholder 1"/>
+          <p:cNvSpPr>
+            <a:spLocks noGrp="1" noRot="1" noChangeAspect="1"/>
+          </p:cNvSpPr>
+          <p:nvPr>
+            <p:ph type="sldImg"/>
+          </p:nvPr>
+        </p:nvSpPr>
+        <p:spPr/>
+      </p:sp>
+      <p:sp>
+        <p:nvSpPr>
+          <p:cNvPr id="3" name="Notes Placeholder 2"/>
+          <p:cNvSpPr>
+            <a:spLocks noGrp="1"/>
+          </p:cNvSpPr>
+          <p:nvPr>
+            <p:ph type="body" idx="1"/>
+          </p:nvPr>
+        </p:nvSpPr>
+        <p:spPr/>
+        <p:txBody>
+          <a:bodyPr/>
+          <a:lstStyle/>
+          <a:p>
+            <a:r>
+              <a:rPr lang="en-IN" dirty="0"/>
+              <a:t>Interfaces are designed to hold only methods with no implementation. They can have properties. They cannot  have fields. </a:t>
+            </a:r>
+          </a:p>
+          <a:p>
+            <a:r>
+              <a:rPr lang="en-IN" dirty="0"/>
+              <a:t>Members of the interfaces are public and can only be public. So there no feature of providing access specifier to the members of the interface</a:t>
+            </a:r>
+          </a:p>
+        </p:txBody>
+      </p:sp>
+      <p:sp>
+        <p:nvSpPr>
+          <p:cNvPr id="4" name="Slide Number Placeholder 3"/>
+          <p:cNvSpPr>
+            <a:spLocks noGrp="1"/>
+          </p:cNvSpPr>
+          <p:nvPr>
+            <p:ph type="sldNum" sz="quarter" idx="10"/>
+          </p:nvPr>
+        </p:nvSpPr>
+        <p:spPr/>
+        <p:txBody>
+          <a:bodyPr/>
+          <a:lstStyle/>
+          <a:p>
+            <a:fld id="{F7D64812-BD05-41A4-BE5F-7C7798D7A182}" type="slidenum">
+              <a:rPr lang="en-IN" smtClean="0"/>
+              <a:t>31</a:t>
+            </a:fld>
+            <a:endParaRPr lang="en-IN"/>
+          </a:p>
+        </p:txBody>
+      </p:sp>
+    </p:spTree>
+    <p:extLst>
+      <p:ext uri="{BB962C8B-B14F-4D97-AF65-F5344CB8AC3E}">
+        <p14:creationId xmlns:p14="http://schemas.microsoft.com/office/powerpoint/2010/main" val="2614266299"/>
+      </p:ext>
+    </p:extLst>
+  </p:cSld>
+  <p:clrMapOvr>
+    <a:masterClrMapping/>
+  </p:clrMapOvr>
+</p:notes>
+</file>
+
 <file path=ppt/notesSlides/notesSlide2.xml><?xml version="1.0" encoding="utf-8"?>
 <p:notes xmlns:a="http://schemas.openxmlformats.org/drawingml/2006/main" xmlns:r="http://schemas.openxmlformats.org/officeDocument/2006/relationships" xmlns:p="http://schemas.openxmlformats.org/presentationml/2006/main">
   <p:cSld>
@@ -2443,7 +2622,7 @@
           <a:p>
             <a:fld id="{C764DE79-268F-4C1A-8933-263129D2AF90}" type="datetimeFigureOut">
               <a:rPr lang="en-US" smtClean="0"/>
-              <a:t>1/10/2020</a:t>
+              <a:t>1/20/2020</a:t>
             </a:fld>
             <a:endParaRPr lang="en-US" dirty="0"/>
           </a:p>
@@ -2651,7 +2830,7 @@
           <a:p>
             <a:fld id="{C764DE79-268F-4C1A-8933-263129D2AF90}" type="datetimeFigureOut">
               <a:rPr lang="en-US" smtClean="0"/>
-              <a:t>1/10/2020</a:t>
+              <a:t>1/20/2020</a:t>
             </a:fld>
             <a:endParaRPr lang="en-US" dirty="0"/>
           </a:p>
@@ -2907,7 +3086,7 @@
           <a:p>
             <a:fld id="{C764DE79-268F-4C1A-8933-263129D2AF90}" type="datetimeFigureOut">
               <a:rPr lang="en-US" smtClean="0"/>
-              <a:t>1/10/2020</a:t>
+              <a:t>1/20/2020</a:t>
             </a:fld>
             <a:endParaRPr lang="en-US" dirty="0"/>
           </a:p>
@@ -3081,7 +3260,7 @@
           <a:p>
             <a:fld id="{C764DE79-268F-4C1A-8933-263129D2AF90}" type="datetimeFigureOut">
               <a:rPr lang="en-US" smtClean="0"/>
-              <a:t>1/10/2020</a:t>
+              <a:t>1/20/2020</a:t>
             </a:fld>
             <a:endParaRPr lang="en-US" dirty="0"/>
           </a:p>
@@ -3424,7 +3603,7 @@
           <a:p>
             <a:fld id="{C764DE79-268F-4C1A-8933-263129D2AF90}" type="datetimeFigureOut">
               <a:rPr lang="en-US" smtClean="0"/>
-              <a:t>1/10/2020</a:t>
+              <a:t>1/20/2020</a:t>
             </a:fld>
             <a:endParaRPr lang="en-US" dirty="0"/>
           </a:p>
@@ -3699,7 +3878,7 @@
           <a:p>
             <a:fld id="{C764DE79-268F-4C1A-8933-263129D2AF90}" type="datetimeFigureOut">
               <a:rPr lang="en-US" smtClean="0"/>
-              <a:t>1/10/2020</a:t>
+              <a:t>1/20/2020</a:t>
             </a:fld>
             <a:endParaRPr lang="en-US" dirty="0"/>
           </a:p>
@@ -4078,7 +4257,7 @@
           <a:p>
             <a:fld id="{C764DE79-268F-4C1A-8933-263129D2AF90}" type="datetimeFigureOut">
               <a:rPr lang="en-US" smtClean="0"/>
-              <a:t>1/10/2020</a:t>
+              <a:t>1/20/2020</a:t>
             </a:fld>
             <a:endParaRPr lang="en-US" dirty="0"/>
           </a:p>
@@ -4196,7 +4375,7 @@
           <a:p>
             <a:fld id="{C764DE79-268F-4C1A-8933-263129D2AF90}" type="datetimeFigureOut">
               <a:rPr lang="en-US" smtClean="0"/>
-              <a:t>1/10/2020</a:t>
+              <a:t>1/20/2020</a:t>
             </a:fld>
             <a:endParaRPr lang="en-US" dirty="0"/>
           </a:p>
@@ -4367,7 +4546,7 @@
           <a:p>
             <a:fld id="{C764DE79-268F-4C1A-8933-263129D2AF90}" type="datetimeFigureOut">
               <a:rPr lang="en-US" smtClean="0"/>
-              <a:t>1/10/2020</a:t>
+              <a:t>1/20/2020</a:t>
             </a:fld>
             <a:endParaRPr lang="en-US" dirty="0"/>
           </a:p>
@@ -4721,7 +4900,7 @@
           <a:p>
             <a:fld id="{C764DE79-268F-4C1A-8933-263129D2AF90}" type="datetimeFigureOut">
               <a:rPr lang="en-US" smtClean="0"/>
-              <a:t>1/10/2020</a:t>
+              <a:t>1/20/2020</a:t>
             </a:fld>
             <a:endParaRPr lang="en-US" dirty="0"/>
           </a:p>
@@ -5103,7 +5282,7 @@
           <a:p>
             <a:fld id="{C764DE79-268F-4C1A-8933-263129D2AF90}" type="datetimeFigureOut">
               <a:rPr lang="en-US" smtClean="0"/>
-              <a:t>1/10/2020</a:t>
+              <a:t>1/20/2020</a:t>
             </a:fld>
             <a:endParaRPr lang="en-US" dirty="0"/>
           </a:p>
@@ -5390,7 +5569,7 @@
           <a:p>
             <a:fld id="{C764DE79-268F-4C1A-8933-263129D2AF90}" type="datetimeFigureOut">
               <a:rPr lang="en-US" smtClean="0"/>
-              <a:t>1/10/2020</a:t>
+              <a:t>1/20/2020</a:t>
             </a:fld>
             <a:endParaRPr lang="en-US" dirty="0"/>
           </a:p>
@@ -9219,6 +9398,323 @@
     <p:extLst>
       <p:ext uri="{BB962C8B-B14F-4D97-AF65-F5344CB8AC3E}">
         <p14:creationId xmlns:p14="http://schemas.microsoft.com/office/powerpoint/2010/main" val="675203702"/>
+      </p:ext>
+    </p:extLst>
+  </p:cSld>
+  <p:clrMapOvr>
+    <a:masterClrMapping/>
+  </p:clrMapOvr>
+</p:sld>
+</file>
+
+<file path=ppt/slides/slide31.xml><?xml version="1.0" encoding="utf-8"?>
+<p:sld xmlns:a="http://schemas.openxmlformats.org/drawingml/2006/main" xmlns:r="http://schemas.openxmlformats.org/officeDocument/2006/relationships" xmlns:p="http://schemas.openxmlformats.org/presentationml/2006/main">
+  <p:cSld>
+    <p:spTree>
+      <p:nvGrpSpPr>
+        <p:cNvPr id="1" name=""/>
+        <p:cNvGrpSpPr/>
+        <p:nvPr/>
+      </p:nvGrpSpPr>
+      <p:grpSpPr>
+        <a:xfrm>
+          <a:off x="0" y="0"/>
+          <a:ext cx="0" cy="0"/>
+          <a:chOff x="0" y="0"/>
+          <a:chExt cx="0" cy="0"/>
+        </a:xfrm>
+      </p:grpSpPr>
+      <p:sp>
+        <p:nvSpPr>
+          <p:cNvPr id="2" name="Title 1">
+            <a:extLst>
+              <a:ext uri="{FF2B5EF4-FFF2-40B4-BE49-F238E27FC236}">
+                <a16:creationId xmlns:a16="http://schemas.microsoft.com/office/drawing/2014/main" id="{7934C54A-CDF0-4857-B73B-1081C5E7AF7D}"/>
+              </a:ext>
+            </a:extLst>
+          </p:cNvPr>
+          <p:cNvSpPr>
+            <a:spLocks noGrp="1"/>
+          </p:cNvSpPr>
+          <p:nvPr>
+            <p:ph type="title"/>
+          </p:nvPr>
+        </p:nvSpPr>
+        <p:spPr/>
+        <p:txBody>
+          <a:bodyPr/>
+          <a:lstStyle/>
+          <a:p>
+            <a:r>
+              <a:rPr lang="en-IN" dirty="0"/>
+              <a:t>Interfaces</a:t>
+            </a:r>
+          </a:p>
+        </p:txBody>
+      </p:sp>
+      <p:sp>
+        <p:nvSpPr>
+          <p:cNvPr id="3" name="Content Placeholder 2">
+            <a:extLst>
+              <a:ext uri="{FF2B5EF4-FFF2-40B4-BE49-F238E27FC236}">
+                <a16:creationId xmlns:a16="http://schemas.microsoft.com/office/drawing/2014/main" id="{D23611A7-461C-40FB-88C6-B4072EC5F0A8}"/>
+              </a:ext>
+            </a:extLst>
+          </p:cNvPr>
+          <p:cNvSpPr>
+            <a:spLocks noGrp="1"/>
+          </p:cNvSpPr>
+          <p:nvPr>
+            <p:ph idx="1"/>
+          </p:nvPr>
+        </p:nvSpPr>
+        <p:spPr/>
+        <p:txBody>
+          <a:bodyPr>
+            <a:normAutofit lnSpcReduction="10000"/>
+          </a:bodyPr>
+          <a:lstStyle/>
+          <a:p>
+            <a:pPr>
+              <a:buFont typeface="Wingdings" panose="05000000000000000000" pitchFamily="2" charset="2"/>
+              <a:buChar char="§"/>
+            </a:pPr>
+            <a:r>
+              <a:rPr lang="en-IN" dirty="0"/>
+              <a:t>Similar to Abstract classes but has only abstract methods in it. </a:t>
+            </a:r>
+          </a:p>
+          <a:p>
+            <a:pPr>
+              <a:buFont typeface="Wingdings" panose="05000000000000000000" pitchFamily="2" charset="2"/>
+              <a:buChar char="§"/>
+            </a:pPr>
+            <a:r>
+              <a:rPr lang="en-IN" dirty="0"/>
+              <a:t>All interfaces are abstract classes, abstract classes are not interfaces. </a:t>
+            </a:r>
+          </a:p>
+          <a:p>
+            <a:pPr>
+              <a:buFont typeface="Wingdings" panose="05000000000000000000" pitchFamily="2" charset="2"/>
+              <a:buChar char="§"/>
+            </a:pPr>
+            <a:r>
+              <a:rPr lang="en-IN" dirty="0"/>
+              <a:t>Interfaces provide a  feature of contract to the user, ensuring that any class that implements this interface must and will provide the implementations for those methods. </a:t>
+            </a:r>
+          </a:p>
+          <a:p>
+            <a:pPr>
+              <a:buFont typeface="Wingdings" panose="05000000000000000000" pitchFamily="2" charset="2"/>
+              <a:buChar char="§"/>
+            </a:pPr>
+            <a:r>
+              <a:rPr lang="en-IN" dirty="0"/>
+              <a:t>The class that implements the interface must provide public definitions for the interface methods.</a:t>
+            </a:r>
+          </a:p>
+          <a:p>
+            <a:pPr>
+              <a:buFont typeface="Wingdings" panose="05000000000000000000" pitchFamily="2" charset="2"/>
+              <a:buChar char="§"/>
+            </a:pPr>
+            <a:r>
+              <a:rPr lang="en-IN" dirty="0"/>
+              <a:t>A Class can implement multiple interfaces at the same level. </a:t>
+            </a:r>
+          </a:p>
+          <a:p>
+            <a:pPr>
+              <a:buFont typeface="Wingdings" panose="05000000000000000000" pitchFamily="2" charset="2"/>
+              <a:buChar char="§"/>
+            </a:pPr>
+            <a:r>
+              <a:rPr lang="en-IN" dirty="0"/>
+              <a:t>Rules:</a:t>
+            </a:r>
+          </a:p>
+          <a:p>
+            <a:pPr lvl="1">
+              <a:buFont typeface="Wingdings" panose="05000000000000000000" pitchFamily="2" charset="2"/>
+              <a:buChar char="§"/>
+            </a:pPr>
+            <a:r>
+              <a:rPr lang="en-IN" dirty="0"/>
+              <a:t>Interfaces cannot have fields in it. </a:t>
+            </a:r>
+          </a:p>
+          <a:p>
+            <a:pPr lvl="1">
+              <a:buFont typeface="Wingdings" panose="05000000000000000000" pitchFamily="2" charset="2"/>
+              <a:buChar char="§"/>
+            </a:pPr>
+            <a:r>
+              <a:rPr lang="en-IN" dirty="0"/>
+              <a:t>Members will not have access specifiers.</a:t>
+            </a:r>
+          </a:p>
+          <a:p>
+            <a:pPr>
+              <a:buFont typeface="Wingdings" panose="05000000000000000000" pitchFamily="2" charset="2"/>
+              <a:buChar char="§"/>
+            </a:pPr>
+            <a:r>
+              <a:rPr lang="en-IN" dirty="0"/>
+              <a:t>Interfaces can be </a:t>
+            </a:r>
+            <a:r>
+              <a:rPr lang="en-IN" dirty="0" err="1"/>
+              <a:t>impliemented</a:t>
+            </a:r>
+            <a:r>
+              <a:rPr lang="en-IN" dirty="0"/>
+              <a:t> either implicitly or explicitly</a:t>
+            </a:r>
+          </a:p>
+          <a:p>
+            <a:pPr>
+              <a:buFont typeface="Wingdings" panose="05000000000000000000" pitchFamily="2" charset="2"/>
+              <a:buChar char="§"/>
+            </a:pPr>
+            <a:endParaRPr lang="en-IN" dirty="0"/>
+          </a:p>
+        </p:txBody>
+      </p:sp>
+    </p:spTree>
+    <p:extLst>
+      <p:ext uri="{BB962C8B-B14F-4D97-AF65-F5344CB8AC3E}">
+        <p14:creationId xmlns:p14="http://schemas.microsoft.com/office/powerpoint/2010/main" val="4070163025"/>
+      </p:ext>
+    </p:extLst>
+  </p:cSld>
+  <p:clrMapOvr>
+    <a:masterClrMapping/>
+  </p:clrMapOvr>
+</p:sld>
+</file>
+
+<file path=ppt/slides/slide32.xml><?xml version="1.0" encoding="utf-8"?>
+<p:sld xmlns:a="http://schemas.openxmlformats.org/drawingml/2006/main" xmlns:r="http://schemas.openxmlformats.org/officeDocument/2006/relationships" xmlns:p="http://schemas.openxmlformats.org/presentationml/2006/main">
+  <p:cSld>
+    <p:spTree>
+      <p:nvGrpSpPr>
+        <p:cNvPr id="1" name=""/>
+        <p:cNvGrpSpPr/>
+        <p:nvPr/>
+      </p:nvGrpSpPr>
+      <p:grpSpPr>
+        <a:xfrm>
+          <a:off x="0" y="0"/>
+          <a:ext cx="0" cy="0"/>
+          <a:chOff x="0" y="0"/>
+          <a:chExt cx="0" cy="0"/>
+        </a:xfrm>
+      </p:grpSpPr>
+      <p:sp>
+        <p:nvSpPr>
+          <p:cNvPr id="2" name="Title 1">
+            <a:extLst>
+              <a:ext uri="{FF2B5EF4-FFF2-40B4-BE49-F238E27FC236}">
+                <a16:creationId xmlns:a16="http://schemas.microsoft.com/office/drawing/2014/main" id="{B5DEE782-0FAB-4220-966B-6470274CFA1F}"/>
+              </a:ext>
+            </a:extLst>
+          </p:cNvPr>
+          <p:cNvSpPr>
+            <a:spLocks noGrp="1"/>
+          </p:cNvSpPr>
+          <p:nvPr>
+            <p:ph type="title"/>
+          </p:nvPr>
+        </p:nvSpPr>
+        <p:spPr>
+          <a:xfrm>
+            <a:off x="1097280" y="286603"/>
+            <a:ext cx="10058400" cy="1450757"/>
+          </a:xfrm>
+        </p:spPr>
+        <p:txBody>
+          <a:bodyPr/>
+          <a:lstStyle/>
+          <a:p>
+            <a:r>
+              <a:rPr lang="en-IN" dirty="0"/>
+              <a:t>Delegates</a:t>
+            </a:r>
+          </a:p>
+        </p:txBody>
+      </p:sp>
+      <p:sp>
+        <p:nvSpPr>
+          <p:cNvPr id="3" name="Content Placeholder 2">
+            <a:extLst>
+              <a:ext uri="{FF2B5EF4-FFF2-40B4-BE49-F238E27FC236}">
+                <a16:creationId xmlns:a16="http://schemas.microsoft.com/office/drawing/2014/main" id="{299646C7-3B0B-46B0-BC98-815F1EB3C41B}"/>
+              </a:ext>
+            </a:extLst>
+          </p:cNvPr>
+          <p:cNvSpPr>
+            <a:spLocks noGrp="1"/>
+          </p:cNvSpPr>
+          <p:nvPr>
+            <p:ph idx="1"/>
+          </p:nvPr>
+        </p:nvSpPr>
+        <p:spPr/>
+        <p:txBody>
+          <a:bodyPr/>
+          <a:lstStyle/>
+          <a:p>
+            <a:r>
+              <a:rPr lang="en-IN" dirty="0"/>
+              <a:t>Similar to function pointers of C++.</a:t>
+            </a:r>
+          </a:p>
+          <a:p>
+            <a:r>
+              <a:rPr lang="en-IN" dirty="0"/>
+              <a:t>They are reference types used to create references to methods. </a:t>
+            </a:r>
+          </a:p>
+          <a:p>
+            <a:r>
+              <a:rPr lang="en-IN" dirty="0"/>
+              <a:t>Functional references are needed when U want to pass a function as an argument to an other function. </a:t>
+            </a:r>
+          </a:p>
+          <a:p>
+            <a:pPr lvl="1"/>
+            <a:r>
+              <a:rPr lang="en-IN" dirty="0"/>
+              <a:t>Call-back functions.</a:t>
+            </a:r>
+          </a:p>
+          <a:p>
+            <a:pPr lvl="1"/>
+            <a:r>
+              <a:rPr lang="en-IN" dirty="0"/>
+              <a:t>Event handling.</a:t>
+            </a:r>
+          </a:p>
+          <a:p>
+            <a:pPr lvl="1"/>
+            <a:r>
+              <a:rPr lang="en-IN" dirty="0"/>
+              <a:t>Async Programming. </a:t>
+            </a:r>
+          </a:p>
+          <a:p>
+            <a:r>
+              <a:rPr lang="en-IN" dirty="0"/>
+              <a:t>  </a:t>
+            </a:r>
+          </a:p>
+        </p:txBody>
+      </p:sp>
+    </p:spTree>
+    <p:extLst>
+      <p:ext uri="{BB962C8B-B14F-4D97-AF65-F5344CB8AC3E}">
+        <p14:creationId xmlns:p14="http://schemas.microsoft.com/office/powerpoint/2010/main" val="3217251677"/>
       </p:ext>
     </p:extLst>
   </p:cSld>

--- a/MS-net.pptx
+++ b/MS-net.pptx
@@ -2,10 +2,10 @@
 <file path=ppt/presentation.xml><?xml version="1.0" encoding="utf-8"?>
 <p:presentation xmlns:a="http://schemas.openxmlformats.org/drawingml/2006/main" xmlns:r="http://schemas.openxmlformats.org/officeDocument/2006/relationships" xmlns:p="http://schemas.openxmlformats.org/presentationml/2006/main" autoCompressPictures="0">
   <p:sldMasterIdLst>
-    <p:sldMasterId id="2147483672" r:id="rId1"/>
+    <p:sldMasterId id="2147483684" r:id="rId1"/>
   </p:sldMasterIdLst>
   <p:notesMasterIdLst>
-    <p:notesMasterId r:id="rId34"/>
+    <p:notesMasterId r:id="rId39"/>
   </p:notesMasterIdLst>
   <p:sldIdLst>
     <p:sldId id="256" r:id="rId2"/>
@@ -40,6 +40,11 @@
     <p:sldId id="286" r:id="rId31"/>
     <p:sldId id="287" r:id="rId32"/>
     <p:sldId id="288" r:id="rId33"/>
+    <p:sldId id="289" r:id="rId34"/>
+    <p:sldId id="290" r:id="rId35"/>
+    <p:sldId id="291" r:id="rId36"/>
+    <p:sldId id="292" r:id="rId37"/>
+    <p:sldId id="293" r:id="rId38"/>
   </p:sldIdLst>
   <p:sldSz cx="12192000" cy="6858000"/>
   <p:notesSz cx="6858000" cy="9144000"/>
@@ -228,7 +233,7 @@
           <a:p>
             <a:fld id="{E9867F42-163E-485B-BCCE-0D953556CA3A}" type="datetimeFigureOut">
               <a:rPr lang="en-IN" smtClean="0"/>
-              <a:t>20/01/2020</a:t>
+              <a:t>30/01/2020</a:t>
             </a:fld>
             <a:endParaRPr lang="en-IN"/>
           </a:p>
@@ -1580,6 +1585,111 @@
 </p:notes>
 </file>
 
+<file path=ppt/notesSlides/notesSlide19.xml><?xml version="1.0" encoding="utf-8"?>
+<p:notes xmlns:a="http://schemas.openxmlformats.org/drawingml/2006/main" xmlns:r="http://schemas.openxmlformats.org/officeDocument/2006/relationships" xmlns:p="http://schemas.openxmlformats.org/presentationml/2006/main">
+  <p:cSld>
+    <p:spTree>
+      <p:nvGrpSpPr>
+        <p:cNvPr id="1" name=""/>
+        <p:cNvGrpSpPr/>
+        <p:nvPr/>
+      </p:nvGrpSpPr>
+      <p:grpSpPr>
+        <a:xfrm>
+          <a:off x="0" y="0"/>
+          <a:ext cx="0" cy="0"/>
+          <a:chOff x="0" y="0"/>
+          <a:chExt cx="0" cy="0"/>
+        </a:xfrm>
+      </p:grpSpPr>
+      <p:sp>
+        <p:nvSpPr>
+          <p:cNvPr id="2" name="Slide Image Placeholder 1"/>
+          <p:cNvSpPr>
+            <a:spLocks noGrp="1" noRot="1" noChangeAspect="1"/>
+          </p:cNvSpPr>
+          <p:nvPr>
+            <p:ph type="sldImg"/>
+          </p:nvPr>
+        </p:nvSpPr>
+        <p:spPr/>
+      </p:sp>
+      <p:sp>
+        <p:nvSpPr>
+          <p:cNvPr id="3" name="Notes Placeholder 2"/>
+          <p:cNvSpPr>
+            <a:spLocks noGrp="1"/>
+          </p:cNvSpPr>
+          <p:nvPr>
+            <p:ph type="body" idx="1"/>
+          </p:nvPr>
+        </p:nvSpPr>
+        <p:spPr/>
+        <p:txBody>
+          <a:bodyPr/>
+          <a:lstStyle/>
+          <a:p>
+            <a:r>
+              <a:rPr lang="en-IN" dirty="0"/>
+              <a:t>A delegate object associated with multiple methods at the same time is called Multicast delegate. </a:t>
+            </a:r>
+          </a:p>
+          <a:p>
+            <a:r>
+              <a:rPr lang="en-IN" dirty="0"/>
+              <a:t>U use the += operator to associate the delegate object with additional methods. </a:t>
+            </a:r>
+          </a:p>
+          <a:p>
+            <a:r>
+              <a:rPr lang="en-IN" dirty="0"/>
+              <a:t>Events are created using event keyword followed by the delegate instance that U wish to map the event handler. Events are usually public.</a:t>
+            </a:r>
+          </a:p>
+          <a:p>
+            <a:r>
+              <a:rPr lang="en-IN" dirty="0"/>
+              <a:t>Event objects are mapped to the event handler using += operator. VS intellisense helps in associating the event with the handler function. </a:t>
+            </a:r>
+          </a:p>
+        </p:txBody>
+      </p:sp>
+      <p:sp>
+        <p:nvSpPr>
+          <p:cNvPr id="4" name="Slide Number Placeholder 3"/>
+          <p:cNvSpPr>
+            <a:spLocks noGrp="1"/>
+          </p:cNvSpPr>
+          <p:nvPr>
+            <p:ph type="sldNum" sz="quarter" idx="10"/>
+          </p:nvPr>
+        </p:nvSpPr>
+        <p:spPr/>
+        <p:txBody>
+          <a:bodyPr/>
+          <a:lstStyle/>
+          <a:p>
+            <a:fld id="{F7D64812-BD05-41A4-BE5F-7C7798D7A182}" type="slidenum">
+              <a:rPr lang="en-IN" smtClean="0"/>
+              <a:t>32</a:t>
+            </a:fld>
+            <a:endParaRPr lang="en-IN"/>
+          </a:p>
+        </p:txBody>
+      </p:sp>
+    </p:spTree>
+    <p:extLst>
+      <p:ext uri="{BB962C8B-B14F-4D97-AF65-F5344CB8AC3E}">
+        <p14:creationId xmlns:p14="http://schemas.microsoft.com/office/powerpoint/2010/main" val="1071052390"/>
+      </p:ext>
+    </p:extLst>
+  </p:cSld>
+  <p:clrMapOvr>
+    <a:masterClrMapping/>
+  </p:clrMapOvr>
+</p:notes>
+</file>
+
 <file path=ppt/notesSlides/notesSlide2.xml><?xml version="1.0" encoding="utf-8"?>
 <p:notes xmlns:a="http://schemas.openxmlformats.org/drawingml/2006/main" xmlns:r="http://schemas.openxmlformats.org/officeDocument/2006/relationships" xmlns:p="http://schemas.openxmlformats.org/presentationml/2006/main">
   <p:cSld>
@@ -1676,6 +1786,375 @@
     <p:extLst>
       <p:ext uri="{BB962C8B-B14F-4D97-AF65-F5344CB8AC3E}">
         <p14:creationId xmlns:p14="http://schemas.microsoft.com/office/powerpoint/2010/main" val="416973406"/>
+      </p:ext>
+    </p:extLst>
+  </p:cSld>
+  <p:clrMapOvr>
+    <a:masterClrMapping/>
+  </p:clrMapOvr>
+</p:notes>
+</file>
+
+<file path=ppt/notesSlides/notesSlide20.xml><?xml version="1.0" encoding="utf-8"?>
+<p:notes xmlns:a="http://schemas.openxmlformats.org/drawingml/2006/main" xmlns:r="http://schemas.openxmlformats.org/officeDocument/2006/relationships" xmlns:p="http://schemas.openxmlformats.org/presentationml/2006/main">
+  <p:cSld>
+    <p:spTree>
+      <p:nvGrpSpPr>
+        <p:cNvPr id="1" name=""/>
+        <p:cNvGrpSpPr/>
+        <p:nvPr/>
+      </p:nvGrpSpPr>
+      <p:grpSpPr>
+        <a:xfrm>
+          <a:off x="0" y="0"/>
+          <a:ext cx="0" cy="0"/>
+          <a:chOff x="0" y="0"/>
+          <a:chExt cx="0" cy="0"/>
+        </a:xfrm>
+      </p:grpSpPr>
+      <p:sp>
+        <p:nvSpPr>
+          <p:cNvPr id="2" name="Slide Image Placeholder 1"/>
+          <p:cNvSpPr>
+            <a:spLocks noGrp="1" noRot="1" noChangeAspect="1"/>
+          </p:cNvSpPr>
+          <p:nvPr>
+            <p:ph type="sldImg"/>
+          </p:nvPr>
+        </p:nvSpPr>
+        <p:spPr/>
+      </p:sp>
+      <p:sp>
+        <p:nvSpPr>
+          <p:cNvPr id="3" name="Notes Placeholder 2"/>
+          <p:cNvSpPr>
+            <a:spLocks noGrp="1"/>
+          </p:cNvSpPr>
+          <p:nvPr>
+            <p:ph type="body" idx="1"/>
+          </p:nvPr>
+        </p:nvSpPr>
+        <p:spPr/>
+        <p:txBody>
+          <a:bodyPr/>
+          <a:lstStyle/>
+          <a:p>
+            <a:pPr marL="228600" indent="-228600">
+              <a:buFont typeface="+mj-lt"/>
+              <a:buAutoNum type="arabicPeriod"/>
+            </a:pPr>
+            <a:r>
+              <a:rPr lang="en-IN" dirty="0"/>
+              <a:t>A program would fail to execute further if a certain condition is not met is what is called as Exception. It goes towards the termination of the program if not handled by its function or its caller or its calling stack. </a:t>
+            </a:r>
+          </a:p>
+          <a:p>
+            <a:pPr marL="228600" indent="-228600">
+              <a:buFont typeface="+mj-lt"/>
+              <a:buAutoNum type="arabicPeriod"/>
+            </a:pPr>
+            <a:r>
+              <a:rPr lang="en-IN" dirty="0"/>
+              <a:t>Exceptions are not errors, but a situation created by either an user input or a logical output for which the app fails to take it forward. </a:t>
+            </a:r>
+          </a:p>
+          <a:p>
+            <a:pPr marL="228600" indent="-228600">
+              <a:buFont typeface="+mj-lt"/>
+              <a:buAutoNum type="arabicPeriod"/>
+            </a:pPr>
+            <a:r>
+              <a:rPr lang="en-IN" dirty="0"/>
+              <a:t>There can be multiple catch blocks for a single try. However it can also be nested. </a:t>
+            </a:r>
+          </a:p>
+          <a:p>
+            <a:pPr marL="228600" indent="-228600">
+              <a:buFont typeface="+mj-lt"/>
+              <a:buAutoNum type="arabicPeriod"/>
+            </a:pPr>
+            <a:r>
+              <a:rPr lang="en-IN" dirty="0"/>
+              <a:t>There are different exception classes created by .NET for handling various kinds of Exceptions.</a:t>
+            </a:r>
+          </a:p>
+          <a:p>
+            <a:pPr marL="228600" indent="-228600">
+              <a:buFont typeface="+mj-lt"/>
+              <a:buAutoNum type="arabicPeriod"/>
+            </a:pPr>
+            <a:r>
+              <a:rPr lang="en-IN" dirty="0"/>
+              <a:t>For app specific Exceptions,  U could create a Custom Exception class and allow it to be used in the Application. </a:t>
+            </a:r>
+          </a:p>
+        </p:txBody>
+      </p:sp>
+      <p:sp>
+        <p:nvSpPr>
+          <p:cNvPr id="4" name="Slide Number Placeholder 3"/>
+          <p:cNvSpPr>
+            <a:spLocks noGrp="1"/>
+          </p:cNvSpPr>
+          <p:nvPr>
+            <p:ph type="sldNum" sz="quarter" idx="10"/>
+          </p:nvPr>
+        </p:nvSpPr>
+        <p:spPr/>
+        <p:txBody>
+          <a:bodyPr/>
+          <a:lstStyle/>
+          <a:p>
+            <a:fld id="{F7D64812-BD05-41A4-BE5F-7C7798D7A182}" type="slidenum">
+              <a:rPr lang="en-IN" smtClean="0"/>
+              <a:t>33</a:t>
+            </a:fld>
+            <a:endParaRPr lang="en-IN"/>
+          </a:p>
+        </p:txBody>
+      </p:sp>
+    </p:spTree>
+    <p:extLst>
+      <p:ext uri="{BB962C8B-B14F-4D97-AF65-F5344CB8AC3E}">
+        <p14:creationId xmlns:p14="http://schemas.microsoft.com/office/powerpoint/2010/main" val="175639043"/>
+      </p:ext>
+    </p:extLst>
+  </p:cSld>
+  <p:clrMapOvr>
+    <a:masterClrMapping/>
+  </p:clrMapOvr>
+</p:notes>
+</file>
+
+<file path=ppt/notesSlides/notesSlide21.xml><?xml version="1.0" encoding="utf-8"?>
+<p:notes xmlns:a="http://schemas.openxmlformats.org/drawingml/2006/main" xmlns:r="http://schemas.openxmlformats.org/officeDocument/2006/relationships" xmlns:p="http://schemas.openxmlformats.org/presentationml/2006/main">
+  <p:cSld>
+    <p:spTree>
+      <p:nvGrpSpPr>
+        <p:cNvPr id="1" name=""/>
+        <p:cNvGrpSpPr/>
+        <p:nvPr/>
+      </p:nvGrpSpPr>
+      <p:grpSpPr>
+        <a:xfrm>
+          <a:off x="0" y="0"/>
+          <a:ext cx="0" cy="0"/>
+          <a:chOff x="0" y="0"/>
+          <a:chExt cx="0" cy="0"/>
+        </a:xfrm>
+      </p:grpSpPr>
+      <p:sp>
+        <p:nvSpPr>
+          <p:cNvPr id="2" name="Slide Image Placeholder 1"/>
+          <p:cNvSpPr>
+            <a:spLocks noGrp="1" noRot="1" noChangeAspect="1"/>
+          </p:cNvSpPr>
+          <p:nvPr>
+            <p:ph type="sldImg"/>
+          </p:nvPr>
+        </p:nvSpPr>
+        <p:spPr/>
+      </p:sp>
+      <p:sp>
+        <p:nvSpPr>
+          <p:cNvPr id="3" name="Notes Placeholder 2"/>
+          <p:cNvSpPr>
+            <a:spLocks noGrp="1"/>
+          </p:cNvSpPr>
+          <p:nvPr>
+            <p:ph type="body" idx="1"/>
+          </p:nvPr>
+        </p:nvSpPr>
+        <p:spPr/>
+        <p:txBody>
+          <a:bodyPr/>
+          <a:lstStyle/>
+          <a:p>
+            <a:r>
+              <a:rPr lang="en-IN" dirty="0"/>
+              <a:t>UI Culture means language, nation of the user on which customization could be done. </a:t>
+            </a:r>
+          </a:p>
+        </p:txBody>
+      </p:sp>
+      <p:sp>
+        <p:nvSpPr>
+          <p:cNvPr id="4" name="Slide Number Placeholder 3"/>
+          <p:cNvSpPr>
+            <a:spLocks noGrp="1"/>
+          </p:cNvSpPr>
+          <p:nvPr>
+            <p:ph type="sldNum" sz="quarter" idx="10"/>
+          </p:nvPr>
+        </p:nvSpPr>
+        <p:spPr/>
+        <p:txBody>
+          <a:bodyPr/>
+          <a:lstStyle/>
+          <a:p>
+            <a:fld id="{F7D64812-BD05-41A4-BE5F-7C7798D7A182}" type="slidenum">
+              <a:rPr lang="en-IN" smtClean="0"/>
+              <a:t>34</a:t>
+            </a:fld>
+            <a:endParaRPr lang="en-IN"/>
+          </a:p>
+        </p:txBody>
+      </p:sp>
+    </p:spTree>
+    <p:extLst>
+      <p:ext uri="{BB962C8B-B14F-4D97-AF65-F5344CB8AC3E}">
+        <p14:creationId xmlns:p14="http://schemas.microsoft.com/office/powerpoint/2010/main" val="4082667413"/>
+      </p:ext>
+    </p:extLst>
+  </p:cSld>
+  <p:clrMapOvr>
+    <a:masterClrMapping/>
+  </p:clrMapOvr>
+</p:notes>
+</file>
+
+<file path=ppt/notesSlides/notesSlide22.xml><?xml version="1.0" encoding="utf-8"?>
+<p:notes xmlns:a="http://schemas.openxmlformats.org/drawingml/2006/main" xmlns:r="http://schemas.openxmlformats.org/officeDocument/2006/relationships" xmlns:p="http://schemas.openxmlformats.org/presentationml/2006/main">
+  <p:cSld>
+    <p:spTree>
+      <p:nvGrpSpPr>
+        <p:cNvPr id="1" name=""/>
+        <p:cNvGrpSpPr/>
+        <p:nvPr/>
+      </p:nvGrpSpPr>
+      <p:grpSpPr>
+        <a:xfrm>
+          <a:off x="0" y="0"/>
+          <a:ext cx="0" cy="0"/>
+          <a:chOff x="0" y="0"/>
+          <a:chExt cx="0" cy="0"/>
+        </a:xfrm>
+      </p:grpSpPr>
+      <p:sp>
+        <p:nvSpPr>
+          <p:cNvPr id="2" name="Slide Image Placeholder 1"/>
+          <p:cNvSpPr>
+            <a:spLocks noGrp="1" noRot="1" noChangeAspect="1"/>
+          </p:cNvSpPr>
+          <p:nvPr>
+            <p:ph type="sldImg"/>
+          </p:nvPr>
+        </p:nvSpPr>
+        <p:spPr/>
+      </p:sp>
+      <p:sp>
+        <p:nvSpPr>
+          <p:cNvPr id="3" name="Notes Placeholder 2"/>
+          <p:cNvSpPr>
+            <a:spLocks noGrp="1"/>
+          </p:cNvSpPr>
+          <p:nvPr>
+            <p:ph type="body" idx="1"/>
+          </p:nvPr>
+        </p:nvSpPr>
+        <p:spPr/>
+        <p:txBody>
+          <a:bodyPr/>
+          <a:lstStyle/>
+          <a:p>
+            <a:pPr marL="228600" indent="-228600">
+              <a:buFont typeface="+mj-lt"/>
+              <a:buAutoNum type="arabicPeriod"/>
+            </a:pPr>
+            <a:r>
+              <a:rPr lang="en-IN" dirty="0"/>
+              <a:t>Attributes are optional properties that are added to  a class or a member at runtime. It is referred or accessed using REFLECTION.</a:t>
+            </a:r>
+          </a:p>
+          <a:p>
+            <a:pPr marL="228600" indent="-228600">
+              <a:buFont typeface="+mj-lt"/>
+              <a:buAutoNum type="arabicPeriod"/>
+            </a:pPr>
+            <a:r>
+              <a:rPr lang="en-IN" dirty="0"/>
+              <a:t>[] is used to set Attributes. </a:t>
+            </a:r>
+          </a:p>
+          <a:p>
+            <a:pPr marL="228600" indent="-228600">
+              <a:buFont typeface="+mj-lt"/>
+              <a:buAutoNum type="arabicPeriod"/>
+            </a:pPr>
+            <a:r>
+              <a:rPr lang="en-IN" dirty="0"/>
+              <a:t>Serializable attribute  will inject some extra code to UR Class so that its objects could be serialized.</a:t>
+            </a:r>
+          </a:p>
+          <a:p>
+            <a:pPr marL="228600" indent="-228600">
+              <a:buFont typeface="+mj-lt"/>
+              <a:buAutoNum type="arabicPeriod"/>
+            </a:pPr>
+            <a:r>
+              <a:rPr lang="en-IN" dirty="0"/>
+              <a:t>Serialization steps:</a:t>
+            </a:r>
+          </a:p>
+          <a:p>
+            <a:pPr marL="685800" lvl="1" indent="-228600">
+              <a:buFont typeface="+mj-lt"/>
+              <a:buAutoNum type="arabicPeriod"/>
+            </a:pPr>
+            <a:r>
+              <a:rPr lang="en-IN" dirty="0"/>
+              <a:t>What to Serialize: Any object of a class that has attribute called serializable. </a:t>
+            </a:r>
+          </a:p>
+          <a:p>
+            <a:pPr marL="685800" lvl="1" indent="-228600">
+              <a:buFont typeface="+mj-lt"/>
+              <a:buAutoNum type="arabicPeriod"/>
+            </a:pPr>
+            <a:r>
+              <a:rPr lang="en-IN" dirty="0"/>
+              <a:t>Where to Serialize?: File Streams and Memory Streams</a:t>
+            </a:r>
+          </a:p>
+          <a:p>
+            <a:pPr marL="685800" lvl="1" indent="-228600">
+              <a:buFont typeface="+mj-lt"/>
+              <a:buAutoNum type="arabicPeriod"/>
+            </a:pPr>
+            <a:r>
+              <a:rPr lang="en-IN" dirty="0"/>
+              <a:t>How to Serialize? : Formats Binary, XML or SOAP. </a:t>
+            </a:r>
+          </a:p>
+        </p:txBody>
+      </p:sp>
+      <p:sp>
+        <p:nvSpPr>
+          <p:cNvPr id="4" name="Slide Number Placeholder 3"/>
+          <p:cNvSpPr>
+            <a:spLocks noGrp="1"/>
+          </p:cNvSpPr>
+          <p:nvPr>
+            <p:ph type="sldNum" sz="quarter" idx="10"/>
+          </p:nvPr>
+        </p:nvSpPr>
+        <p:spPr/>
+        <p:txBody>
+          <a:bodyPr/>
+          <a:lstStyle/>
+          <a:p>
+            <a:fld id="{F7D64812-BD05-41A4-BE5F-7C7798D7A182}" type="slidenum">
+              <a:rPr lang="en-IN" smtClean="0"/>
+              <a:t>36</a:t>
+            </a:fld>
+            <a:endParaRPr lang="en-IN"/>
+          </a:p>
+        </p:txBody>
+      </p:sp>
+    </p:spTree>
+    <p:extLst>
+      <p:ext uri="{BB962C8B-B14F-4D97-AF65-F5344CB8AC3E}">
+        <p14:creationId xmlns:p14="http://schemas.microsoft.com/office/powerpoint/2010/main" val="3165802803"/>
       </p:ext>
     </p:extLst>
   </p:cSld>
@@ -2428,7 +2907,9 @@
             <a:avLst/>
           </a:prstGeom>
           <a:solidFill>
-            <a:schemeClr val="accent2"/>
+            <a:schemeClr val="accent4">
+              <a:lumMod val="75000"/>
+            </a:schemeClr>
           </a:solidFill>
           <a:ln>
             <a:noFill/>
@@ -2466,7 +2947,7 @@
             <a:avLst/>
           </a:prstGeom>
           <a:solidFill>
-            <a:schemeClr val="accent1"/>
+            <a:schemeClr val="accent4"/>
           </a:solidFill>
           <a:ln>
             <a:noFill/>
@@ -2545,7 +3026,7 @@
         </p:nvSpPr>
         <p:spPr>
           <a:xfrm>
-            <a:off x="1100051" y="4455620"/>
+            <a:off x="1100051" y="4455621"/>
             <a:ext cx="10058400" cy="1143000"/>
           </a:xfrm>
         </p:spPr>
@@ -2622,7 +3103,7 @@
           <a:p>
             <a:fld id="{C764DE79-268F-4C1A-8933-263129D2AF90}" type="datetimeFigureOut">
               <a:rPr lang="en-US" smtClean="0"/>
-              <a:t>1/20/2020</a:t>
+              <a:t>1/30/2020</a:t>
             </a:fld>
             <a:endParaRPr lang="en-US" dirty="0"/>
           </a:p>
@@ -2711,7 +3192,7 @@
     </p:spTree>
     <p:extLst>
       <p:ext uri="{BB962C8B-B14F-4D97-AF65-F5344CB8AC3E}">
-        <p14:creationId xmlns:p14="http://schemas.microsoft.com/office/powerpoint/2010/main" val="2716643114"/>
+        <p14:creationId xmlns:p14="http://schemas.microsoft.com/office/powerpoint/2010/main" val="1567469562"/>
       </p:ext>
     </p:extLst>
   </p:cSld>
@@ -2830,7 +3311,7 @@
           <a:p>
             <a:fld id="{C764DE79-268F-4C1A-8933-263129D2AF90}" type="datetimeFigureOut">
               <a:rPr lang="en-US" smtClean="0"/>
-              <a:t>1/20/2020</a:t>
+              <a:t>1/30/2020</a:t>
             </a:fld>
             <a:endParaRPr lang="en-US" dirty="0"/>
           </a:p>
@@ -2881,7 +3362,7 @@
     </p:spTree>
     <p:extLst>
       <p:ext uri="{BB962C8B-B14F-4D97-AF65-F5344CB8AC3E}">
-        <p14:creationId xmlns:p14="http://schemas.microsoft.com/office/powerpoint/2010/main" val="2627342956"/>
+        <p14:creationId xmlns:p14="http://schemas.microsoft.com/office/powerpoint/2010/main" val="2340730230"/>
       </p:ext>
     </p:extLst>
   </p:cSld>
@@ -2923,7 +3404,9 @@
             <a:avLst/>
           </a:prstGeom>
           <a:solidFill>
-            <a:schemeClr val="accent2"/>
+            <a:schemeClr val="accent4">
+              <a:lumMod val="75000"/>
+            </a:schemeClr>
           </a:solidFill>
           <a:ln>
             <a:noFill/>
@@ -2961,7 +3444,7 @@
             <a:avLst/>
           </a:prstGeom>
           <a:solidFill>
-            <a:schemeClr val="accent1"/>
+            <a:schemeClr val="accent4"/>
           </a:solidFill>
           <a:ln>
             <a:noFill/>
@@ -2996,8 +3479,8 @@
         </p:nvSpPr>
         <p:spPr>
           <a:xfrm>
-            <a:off x="8724900" y="414778"/>
-            <a:ext cx="2628900" cy="5757421"/>
+            <a:off x="8724900" y="412302"/>
+            <a:ext cx="2628900" cy="5759898"/>
           </a:xfrm>
         </p:spPr>
         <p:txBody>
@@ -3024,8 +3507,8 @@
         </p:nvSpPr>
         <p:spPr>
           <a:xfrm>
-            <a:off x="838200" y="414778"/>
-            <a:ext cx="7734300" cy="5757422"/>
+            <a:off x="838200" y="412302"/>
+            <a:ext cx="7734300" cy="5759898"/>
           </a:xfrm>
         </p:spPr>
         <p:txBody>
@@ -3086,7 +3569,7 @@
           <a:p>
             <a:fld id="{C764DE79-268F-4C1A-8933-263129D2AF90}" type="datetimeFigureOut">
               <a:rPr lang="en-US" smtClean="0"/>
-              <a:t>1/20/2020</a:t>
+              <a:t>1/30/2020</a:t>
             </a:fld>
             <a:endParaRPr lang="en-US" dirty="0"/>
           </a:p>
@@ -3137,7 +3620,7 @@
     </p:spTree>
     <p:extLst>
       <p:ext uri="{BB962C8B-B14F-4D97-AF65-F5344CB8AC3E}">
-        <p14:creationId xmlns:p14="http://schemas.microsoft.com/office/powerpoint/2010/main" val="2545826113"/>
+        <p14:creationId xmlns:p14="http://schemas.microsoft.com/office/powerpoint/2010/main" val="4269114593"/>
       </p:ext>
     </p:extLst>
   </p:cSld>
@@ -3177,11 +3660,7 @@
         <p:spPr/>
         <p:txBody>
           <a:bodyPr/>
-          <a:lstStyle>
-            <a:lvl1pPr marL="0">
-              <a:defRPr/>
-            </a:lvl1pPr>
-          </a:lstStyle>
+          <a:lstStyle/>
           <a:p>
             <a:r>
               <a:rPr lang="en-US"/>
@@ -3260,7 +3739,7 @@
           <a:p>
             <a:fld id="{C764DE79-268F-4C1A-8933-263129D2AF90}" type="datetimeFigureOut">
               <a:rPr lang="en-US" smtClean="0"/>
-              <a:t>1/20/2020</a:t>
+              <a:t>1/30/2020</a:t>
             </a:fld>
             <a:endParaRPr lang="en-US" dirty="0"/>
           </a:p>
@@ -3311,7 +3790,7 @@
     </p:spTree>
     <p:extLst>
       <p:ext uri="{BB962C8B-B14F-4D97-AF65-F5344CB8AC3E}">
-        <p14:creationId xmlns:p14="http://schemas.microsoft.com/office/powerpoint/2010/main" val="2519068576"/>
+        <p14:creationId xmlns:p14="http://schemas.microsoft.com/office/powerpoint/2010/main" val="3340476955"/>
       </p:ext>
     </p:extLst>
   </p:cSld>
@@ -3324,14 +3803,6 @@
 <file path=ppt/slideLayouts/slideLayout3.xml><?xml version="1.0" encoding="utf-8"?>
 <p:sldLayout xmlns:a="http://schemas.openxmlformats.org/drawingml/2006/main" xmlns:r="http://schemas.openxmlformats.org/officeDocument/2006/relationships" xmlns:p="http://schemas.openxmlformats.org/presentationml/2006/main" showMasterSp="0" type="secHead" preserve="1">
   <p:cSld name="Section Header">
-    <p:bg>
-      <p:bgPr>
-        <a:solidFill>
-          <a:schemeClr val="bg1"/>
-        </a:solidFill>
-        <a:effectLst/>
-      </p:bgPr>
-    </p:bg>
     <p:spTree>
       <p:nvGrpSpPr>
         <p:cNvPr id="1" name=""/>
@@ -3361,7 +3832,9 @@
             <a:avLst/>
           </a:prstGeom>
           <a:solidFill>
-            <a:schemeClr val="accent2"/>
+            <a:schemeClr val="accent4">
+              <a:lumMod val="75000"/>
+            </a:schemeClr>
           </a:solidFill>
           <a:ln>
             <a:noFill/>
@@ -3399,7 +3872,7 @@
             <a:avLst/>
           </a:prstGeom>
           <a:solidFill>
-            <a:schemeClr val="accent1"/>
+            <a:schemeClr val="accent4"/>
           </a:solidFill>
           <a:ln>
             <a:noFill/>
@@ -3603,7 +4076,7 @@
           <a:p>
             <a:fld id="{C764DE79-268F-4C1A-8933-263129D2AF90}" type="datetimeFigureOut">
               <a:rPr lang="en-US" smtClean="0"/>
-              <a:t>1/20/2020</a:t>
+              <a:t>1/30/2020</a:t>
             </a:fld>
             <a:endParaRPr lang="en-US" dirty="0"/>
           </a:p>
@@ -3692,7 +4165,7 @@
     </p:spTree>
     <p:extLst>
       <p:ext uri="{BB962C8B-B14F-4D97-AF65-F5344CB8AC3E}">
-        <p14:creationId xmlns:p14="http://schemas.microsoft.com/office/powerpoint/2010/main" val="3301302741"/>
+        <p14:creationId xmlns:p14="http://schemas.microsoft.com/office/powerpoint/2010/main" val="2872217099"/>
       </p:ext>
     </p:extLst>
   </p:cSld>
@@ -3759,7 +4232,7 @@
         </p:nvSpPr>
         <p:spPr>
           <a:xfrm>
-            <a:off x="1097279" y="1845734"/>
+            <a:off x="1097278" y="1845734"/>
             <a:ext cx="4937760" cy="4023360"/>
           </a:xfrm>
         </p:spPr>
@@ -3878,7 +4351,7 @@
           <a:p>
             <a:fld id="{C764DE79-268F-4C1A-8933-263129D2AF90}" type="datetimeFigureOut">
               <a:rPr lang="en-US" smtClean="0"/>
-              <a:t>1/20/2020</a:t>
+              <a:t>1/30/2020</a:t>
             </a:fld>
             <a:endParaRPr lang="en-US" dirty="0"/>
           </a:p>
@@ -3929,7 +4402,7 @@
     </p:spTree>
     <p:extLst>
       <p:ext uri="{BB962C8B-B14F-4D97-AF65-F5344CB8AC3E}">
-        <p14:creationId xmlns:p14="http://schemas.microsoft.com/office/powerpoint/2010/main" val="3714601788"/>
+        <p14:creationId xmlns:p14="http://schemas.microsoft.com/office/powerpoint/2010/main" val="985030220"/>
       </p:ext>
     </p:extLst>
   </p:cSld>
@@ -4257,7 +4730,7 @@
           <a:p>
             <a:fld id="{C764DE79-268F-4C1A-8933-263129D2AF90}" type="datetimeFigureOut">
               <a:rPr lang="en-US" smtClean="0"/>
-              <a:t>1/20/2020</a:t>
+              <a:t>1/30/2020</a:t>
             </a:fld>
             <a:endParaRPr lang="en-US" dirty="0"/>
           </a:p>
@@ -4308,7 +4781,7 @@
     </p:spTree>
     <p:extLst>
       <p:ext uri="{BB962C8B-B14F-4D97-AF65-F5344CB8AC3E}">
-        <p14:creationId xmlns:p14="http://schemas.microsoft.com/office/powerpoint/2010/main" val="3943650107"/>
+        <p14:creationId xmlns:p14="http://schemas.microsoft.com/office/powerpoint/2010/main" val="3781889178"/>
       </p:ext>
     </p:extLst>
   </p:cSld>
@@ -4375,7 +4848,7 @@
           <a:p>
             <a:fld id="{C764DE79-268F-4C1A-8933-263129D2AF90}" type="datetimeFigureOut">
               <a:rPr lang="en-US" smtClean="0"/>
-              <a:t>1/20/2020</a:t>
+              <a:t>1/30/2020</a:t>
             </a:fld>
             <a:endParaRPr lang="en-US" dirty="0"/>
           </a:p>
@@ -4426,7 +4899,7 @@
     </p:spTree>
     <p:extLst>
       <p:ext uri="{BB962C8B-B14F-4D97-AF65-F5344CB8AC3E}">
-        <p14:creationId xmlns:p14="http://schemas.microsoft.com/office/powerpoint/2010/main" val="1825146576"/>
+        <p14:creationId xmlns:p14="http://schemas.microsoft.com/office/powerpoint/2010/main" val="847081914"/>
       </p:ext>
     </p:extLst>
   </p:cSld>
@@ -4468,7 +4941,9 @@
             <a:avLst/>
           </a:prstGeom>
           <a:solidFill>
-            <a:schemeClr val="accent2"/>
+            <a:schemeClr val="accent4">
+              <a:lumMod val="75000"/>
+            </a:schemeClr>
           </a:solidFill>
           <a:ln>
             <a:noFill/>
@@ -4506,7 +4981,7 @@
             <a:avLst/>
           </a:prstGeom>
           <a:solidFill>
-            <a:schemeClr val="accent1"/>
+            <a:schemeClr val="accent4"/>
           </a:solidFill>
           <a:ln>
             <a:noFill/>
@@ -4546,7 +5021,7 @@
           <a:p>
             <a:fld id="{C764DE79-268F-4C1A-8933-263129D2AF90}" type="datetimeFigureOut">
               <a:rPr lang="en-US" smtClean="0"/>
-              <a:t>1/20/2020</a:t>
+              <a:t>1/30/2020</a:t>
             </a:fld>
             <a:endParaRPr lang="en-US" dirty="0"/>
           </a:p>
@@ -4605,7 +5080,7 @@
     </p:spTree>
     <p:extLst>
       <p:ext uri="{BB962C8B-B14F-4D97-AF65-F5344CB8AC3E}">
-        <p14:creationId xmlns:p14="http://schemas.microsoft.com/office/powerpoint/2010/main" val="3020691362"/>
+        <p14:creationId xmlns:p14="http://schemas.microsoft.com/office/powerpoint/2010/main" val="2491080336"/>
       </p:ext>
     </p:extLst>
   </p:cSld>
@@ -4647,7 +5122,9 @@
             <a:avLst/>
           </a:prstGeom>
           <a:solidFill>
-            <a:schemeClr val="accent2"/>
+            <a:schemeClr val="accent4">
+              <a:lumMod val="75000"/>
+            </a:schemeClr>
           </a:solidFill>
           <a:ln>
             <a:noFill/>
@@ -4685,7 +5162,7 @@
             <a:avLst/>
           </a:prstGeom>
           <a:solidFill>
-            <a:schemeClr val="accent1"/>
+            <a:schemeClr val="accent4"/>
           </a:solidFill>
           <a:ln>
             <a:noFill/>
@@ -4900,7 +5377,7 @@
           <a:p>
             <a:fld id="{C764DE79-268F-4C1A-8933-263129D2AF90}" type="datetimeFigureOut">
               <a:rPr lang="en-US" smtClean="0"/>
-              <a:t>1/20/2020</a:t>
+              <a:t>1/30/2020</a:t>
             </a:fld>
             <a:endParaRPr lang="en-US" dirty="0"/>
           </a:p>
@@ -4972,7 +5449,7 @@
     </p:spTree>
     <p:extLst>
       <p:ext uri="{BB962C8B-B14F-4D97-AF65-F5344CB8AC3E}">
-        <p14:creationId xmlns:p14="http://schemas.microsoft.com/office/powerpoint/2010/main" val="3071550733"/>
+        <p14:creationId xmlns:p14="http://schemas.microsoft.com/office/powerpoint/2010/main" val="294066809"/>
       </p:ext>
     </p:extLst>
   </p:cSld>
@@ -5014,7 +5491,9 @@
             <a:avLst/>
           </a:prstGeom>
           <a:solidFill>
-            <a:schemeClr val="accent2"/>
+            <a:schemeClr val="accent4">
+              <a:lumMod val="75000"/>
+            </a:schemeClr>
           </a:solidFill>
           <a:ln>
             <a:noFill/>
@@ -5052,7 +5531,7 @@
             <a:avLst/>
           </a:prstGeom>
           <a:solidFill>
-            <a:schemeClr val="accent1"/>
+            <a:schemeClr val="accent4"/>
           </a:solidFill>
           <a:ln>
             <a:noFill/>
@@ -5088,7 +5567,7 @@
         <p:spPr>
           <a:xfrm>
             <a:off x="1097280" y="5074920"/>
-            <a:ext cx="10113264" cy="822960"/>
+            <a:ext cx="10113645" cy="822960"/>
           </a:xfrm>
         </p:spPr>
         <p:txBody>
@@ -5128,23 +5607,18 @@
             <a:off x="15" y="0"/>
             <a:ext cx="12191985" cy="4915076"/>
           </a:xfrm>
-          <a:blipFill>
-            <a:blip r:embed="rId2"/>
-            <a:stretch>
-              <a:fillRect/>
-            </a:stretch>
-          </a:blipFill>
+          <a:solidFill>
+            <a:schemeClr val="bg2">
+              <a:lumMod val="90000"/>
+            </a:schemeClr>
+          </a:solidFill>
         </p:spPr>
         <p:txBody>
           <a:bodyPr lIns="457200" tIns="457200" anchor="t"/>
           <a:lstStyle>
             <a:lvl1pPr marL="0" indent="0">
               <a:buNone/>
-              <a:defRPr sz="3200">
-                <a:solidFill>
-                  <a:schemeClr val="bg1"/>
-                </a:solidFill>
-              </a:defRPr>
+              <a:defRPr sz="3200"/>
             </a:lvl1pPr>
             <a:lvl2pPr marL="457200" indent="0">
               <a:buNone/>
@@ -5200,7 +5674,7 @@
         </p:nvSpPr>
         <p:spPr>
           <a:xfrm>
-            <a:off x="1097280" y="5907023"/>
+            <a:off x="1097280" y="5907024"/>
             <a:ext cx="10113264" cy="594360"/>
           </a:xfrm>
         </p:spPr>
@@ -5282,7 +5756,7 @@
           <a:p>
             <a:fld id="{C764DE79-268F-4C1A-8933-263129D2AF90}" type="datetimeFigureOut">
               <a:rPr lang="en-US" smtClean="0"/>
-              <a:t>1/20/2020</a:t>
+              <a:t>1/30/2020</a:t>
             </a:fld>
             <a:endParaRPr lang="en-US" dirty="0"/>
           </a:p>
@@ -5333,7 +5807,7 @@
     </p:spTree>
     <p:extLst>
       <p:ext uri="{BB962C8B-B14F-4D97-AF65-F5344CB8AC3E}">
-        <p14:creationId xmlns:p14="http://schemas.microsoft.com/office/powerpoint/2010/main" val="2549835994"/>
+        <p14:creationId xmlns:p14="http://schemas.microsoft.com/office/powerpoint/2010/main" val="349369153"/>
       </p:ext>
     </p:extLst>
   </p:cSld>
@@ -5348,7 +5822,7 @@
   <p:cSld>
     <p:bg>
       <p:bgRef idx="1001">
-        <a:schemeClr val="bg1"/>
+        <a:schemeClr val="bg2"/>
       </p:bgRef>
     </p:bg>
     <p:spTree>
@@ -5380,7 +5854,9 @@
             <a:avLst/>
           </a:prstGeom>
           <a:solidFill>
-            <a:schemeClr val="accent2"/>
+            <a:schemeClr val="accent4">
+              <a:lumMod val="75000"/>
+            </a:schemeClr>
           </a:solidFill>
           <a:ln>
             <a:noFill/>
@@ -5411,14 +5887,14 @@
         </p:nvSpPr>
         <p:spPr>
           <a:xfrm>
-            <a:off x="0" y="6334316"/>
-            <a:ext cx="12192001" cy="65998"/>
+            <a:off x="15" y="6334316"/>
+            <a:ext cx="12191985" cy="66484"/>
           </a:xfrm>
           <a:prstGeom prst="rect">
             <a:avLst/>
           </a:prstGeom>
           <a:solidFill>
-            <a:schemeClr val="accent1"/>
+            <a:schemeClr val="accent4"/>
           </a:solidFill>
           <a:ln>
             <a:noFill/>
@@ -5569,7 +6045,7 @@
           <a:p>
             <a:fld id="{C764DE79-268F-4C1A-8933-263129D2AF90}" type="datetimeFigureOut">
               <a:rPr lang="en-US" smtClean="0"/>
-              <a:t>1/20/2020</a:t>
+              <a:t>1/30/2020</a:t>
             </a:fld>
             <a:endParaRPr lang="en-US" dirty="0"/>
           </a:p>
@@ -5690,23 +6166,23 @@
     </p:spTree>
     <p:extLst>
       <p:ext uri="{BB962C8B-B14F-4D97-AF65-F5344CB8AC3E}">
-        <p14:creationId xmlns:p14="http://schemas.microsoft.com/office/powerpoint/2010/main" val="2505862370"/>
+        <p14:creationId xmlns:p14="http://schemas.microsoft.com/office/powerpoint/2010/main" val="2952084316"/>
       </p:ext>
     </p:extLst>
   </p:cSld>
   <p:clrMap bg1="lt1" tx1="dk1" bg2="lt2" tx2="dk2" accent1="accent1" accent2="accent2" accent3="accent3" accent4="accent4" accent5="accent5" accent6="accent6" hlink="hlink" folHlink="folHlink"/>
   <p:sldLayoutIdLst>
-    <p:sldLayoutId id="2147483673" r:id="rId1"/>
-    <p:sldLayoutId id="2147483674" r:id="rId2"/>
-    <p:sldLayoutId id="2147483675" r:id="rId3"/>
-    <p:sldLayoutId id="2147483676" r:id="rId4"/>
-    <p:sldLayoutId id="2147483677" r:id="rId5"/>
-    <p:sldLayoutId id="2147483678" r:id="rId6"/>
-    <p:sldLayoutId id="2147483679" r:id="rId7"/>
-    <p:sldLayoutId id="2147483680" r:id="rId8"/>
-    <p:sldLayoutId id="2147483681" r:id="rId9"/>
-    <p:sldLayoutId id="2147483682" r:id="rId10"/>
-    <p:sldLayoutId id="2147483683" r:id="rId11"/>
+    <p:sldLayoutId id="2147483685" r:id="rId1"/>
+    <p:sldLayoutId id="2147483686" r:id="rId2"/>
+    <p:sldLayoutId id="2147483687" r:id="rId3"/>
+    <p:sldLayoutId id="2147483688" r:id="rId4"/>
+    <p:sldLayoutId id="2147483689" r:id="rId5"/>
+    <p:sldLayoutId id="2147483690" r:id="rId6"/>
+    <p:sldLayoutId id="2147483691" r:id="rId7"/>
+    <p:sldLayoutId id="2147483692" r:id="rId8"/>
+    <p:sldLayoutId id="2147483693" r:id="rId9"/>
+    <p:sldLayoutId id="2147483694" r:id="rId10"/>
+    <p:sldLayoutId id="2147483695" r:id="rId11"/>
   </p:sldLayoutIdLst>
   <p:txStyles>
     <p:titleStyle>
@@ -9627,12 +10103,7 @@
             <p:ph type="title"/>
           </p:nvPr>
         </p:nvSpPr>
-        <p:spPr>
-          <a:xfrm>
-            <a:off x="1097280" y="286603"/>
-            <a:ext cx="10058400" cy="1450757"/>
-          </a:xfrm>
-        </p:spPr>
+        <p:spPr/>
         <p:txBody>
           <a:bodyPr/>
           <a:lstStyle/>
@@ -9706,7 +10177,27 @@
           <a:p>
             <a:r>
               <a:rPr lang="en-IN" dirty="0"/>
-              <a:t>  </a:t>
+              <a:t>All the instances of delegates are objects of </a:t>
+            </a:r>
+            <a:r>
+              <a:rPr lang="en-IN" dirty="0" err="1"/>
+              <a:t>System.Delegate</a:t>
+            </a:r>
+            <a:r>
+              <a:rPr lang="en-IN" dirty="0"/>
+              <a:t>. </a:t>
+            </a:r>
+          </a:p>
+          <a:p>
+            <a:r>
+              <a:rPr lang="en-IN" dirty="0"/>
+              <a:t>U can have Single cast or multi-cast delegate.</a:t>
+            </a:r>
+          </a:p>
+          <a:p>
+            <a:r>
+              <a:rPr lang="en-IN" dirty="0"/>
+              <a:t>All events are instances of delegates.</a:t>
             </a:r>
           </a:p>
         </p:txBody>
@@ -9715,6 +10206,830 @@
     <p:extLst>
       <p:ext uri="{BB962C8B-B14F-4D97-AF65-F5344CB8AC3E}">
         <p14:creationId xmlns:p14="http://schemas.microsoft.com/office/powerpoint/2010/main" val="3217251677"/>
+      </p:ext>
+    </p:extLst>
+  </p:cSld>
+  <p:clrMapOvr>
+    <a:masterClrMapping/>
+  </p:clrMapOvr>
+</p:sld>
+</file>
+
+<file path=ppt/slides/slide33.xml><?xml version="1.0" encoding="utf-8"?>
+<p:sld xmlns:a="http://schemas.openxmlformats.org/drawingml/2006/main" xmlns:r="http://schemas.openxmlformats.org/officeDocument/2006/relationships" xmlns:p="http://schemas.openxmlformats.org/presentationml/2006/main">
+  <p:cSld>
+    <p:spTree>
+      <p:nvGrpSpPr>
+        <p:cNvPr id="1" name=""/>
+        <p:cNvGrpSpPr/>
+        <p:nvPr/>
+      </p:nvGrpSpPr>
+      <p:grpSpPr>
+        <a:xfrm>
+          <a:off x="0" y="0"/>
+          <a:ext cx="0" cy="0"/>
+          <a:chOff x="0" y="0"/>
+          <a:chExt cx="0" cy="0"/>
+        </a:xfrm>
+      </p:grpSpPr>
+      <p:sp>
+        <p:nvSpPr>
+          <p:cNvPr id="2" name="Title 1">
+            <a:extLst>
+              <a:ext uri="{FF2B5EF4-FFF2-40B4-BE49-F238E27FC236}">
+                <a16:creationId xmlns:a16="http://schemas.microsoft.com/office/drawing/2014/main" id="{9ACB9179-0CA0-4C44-9E21-6E5228B3059B}"/>
+              </a:ext>
+            </a:extLst>
+          </p:cNvPr>
+          <p:cNvSpPr>
+            <a:spLocks noGrp="1"/>
+          </p:cNvSpPr>
+          <p:nvPr>
+            <p:ph type="title"/>
+          </p:nvPr>
+        </p:nvSpPr>
+        <p:spPr/>
+        <p:txBody>
+          <a:bodyPr/>
+          <a:lstStyle/>
+          <a:p>
+            <a:r>
+              <a:rPr lang="en-IN" dirty="0"/>
+              <a:t>Exception Handling</a:t>
+            </a:r>
+          </a:p>
+        </p:txBody>
+      </p:sp>
+      <p:sp>
+        <p:nvSpPr>
+          <p:cNvPr id="3" name="Content Placeholder 2">
+            <a:extLst>
+              <a:ext uri="{FF2B5EF4-FFF2-40B4-BE49-F238E27FC236}">
+                <a16:creationId xmlns:a16="http://schemas.microsoft.com/office/drawing/2014/main" id="{7D3DE11C-BE5A-4F0F-B10D-0CEC2DBBB11F}"/>
+              </a:ext>
+            </a:extLst>
+          </p:cNvPr>
+          <p:cNvSpPr>
+            <a:spLocks noGrp="1"/>
+          </p:cNvSpPr>
+          <p:nvPr>
+            <p:ph idx="1"/>
+          </p:nvPr>
+        </p:nvSpPr>
+        <p:spPr/>
+        <p:txBody>
+          <a:bodyPr/>
+          <a:lstStyle/>
+          <a:p>
+            <a:r>
+              <a:rPr lang="en-IN" dirty="0"/>
+              <a:t> try…catch….finally.</a:t>
+            </a:r>
+          </a:p>
+          <a:p>
+            <a:r>
+              <a:rPr lang="en-IN" dirty="0"/>
+              <a:t> throw keyword.</a:t>
+            </a:r>
+          </a:p>
+          <a:p>
+            <a:r>
+              <a:rPr lang="en-IN" dirty="0"/>
+              <a:t>All Exceptions are instances of the class derived from </a:t>
+            </a:r>
+            <a:r>
+              <a:rPr lang="en-IN" dirty="0" err="1"/>
+              <a:t>System.Exception</a:t>
+            </a:r>
+            <a:r>
+              <a:rPr lang="en-IN" dirty="0"/>
+              <a:t>. </a:t>
+            </a:r>
+          </a:p>
+          <a:p>
+            <a:r>
+              <a:rPr lang="en-IN" dirty="0"/>
+              <a:t>Custom Exceptions. </a:t>
+            </a:r>
+          </a:p>
+          <a:p>
+            <a:r>
+              <a:rPr lang="en-IN" dirty="0"/>
+              <a:t>Rules:</a:t>
+            </a:r>
+          </a:p>
+          <a:p>
+            <a:pPr lvl="1"/>
+            <a:r>
+              <a:rPr lang="en-IN" dirty="0"/>
+              <a:t>A Try is always followed by either catch or finally or both.</a:t>
+            </a:r>
+          </a:p>
+          <a:p>
+            <a:pPr lvl="1"/>
+            <a:r>
+              <a:rPr lang="en-IN" dirty="0"/>
+              <a:t>Try block contains the block of code that could raise an Exception. </a:t>
+            </a:r>
+          </a:p>
+          <a:p>
+            <a:pPr lvl="1"/>
+            <a:r>
+              <a:rPr lang="en-IN" dirty="0"/>
+              <a:t>Catch block will handle the specific exception.  </a:t>
+            </a:r>
+          </a:p>
+          <a:p>
+            <a:pPr lvl="1"/>
+            <a:r>
+              <a:rPr lang="en-IN" dirty="0"/>
+              <a:t>Finally block will contain any clean up code that is required to be executed on all conditions before it exits the function.  </a:t>
+            </a:r>
+          </a:p>
+        </p:txBody>
+      </p:sp>
+    </p:spTree>
+    <p:extLst>
+      <p:ext uri="{BB962C8B-B14F-4D97-AF65-F5344CB8AC3E}">
+        <p14:creationId xmlns:p14="http://schemas.microsoft.com/office/powerpoint/2010/main" val="2650854425"/>
+      </p:ext>
+    </p:extLst>
+  </p:cSld>
+  <p:clrMapOvr>
+    <a:masterClrMapping/>
+  </p:clrMapOvr>
+</p:sld>
+</file>
+
+<file path=ppt/slides/slide34.xml><?xml version="1.0" encoding="utf-8"?>
+<p:sld xmlns:a="http://schemas.openxmlformats.org/drawingml/2006/main" xmlns:r="http://schemas.openxmlformats.org/officeDocument/2006/relationships" xmlns:p="http://schemas.openxmlformats.org/presentationml/2006/main">
+  <p:cSld>
+    <p:spTree>
+      <p:nvGrpSpPr>
+        <p:cNvPr id="1" name=""/>
+        <p:cNvGrpSpPr/>
+        <p:nvPr/>
+      </p:nvGrpSpPr>
+      <p:grpSpPr>
+        <a:xfrm>
+          <a:off x="0" y="0"/>
+          <a:ext cx="0" cy="0"/>
+          <a:chOff x="0" y="0"/>
+          <a:chExt cx="0" cy="0"/>
+        </a:xfrm>
+      </p:grpSpPr>
+      <p:sp>
+        <p:nvSpPr>
+          <p:cNvPr id="2" name="Title 1">
+            <a:extLst>
+              <a:ext uri="{FF2B5EF4-FFF2-40B4-BE49-F238E27FC236}">
+                <a16:creationId xmlns:a16="http://schemas.microsoft.com/office/drawing/2014/main" id="{3F80BE32-A9CC-423D-A400-FBB5906675D6}"/>
+              </a:ext>
+            </a:extLst>
+          </p:cNvPr>
+          <p:cNvSpPr>
+            <a:spLocks noGrp="1"/>
+          </p:cNvSpPr>
+          <p:nvPr>
+            <p:ph type="title"/>
+          </p:nvPr>
+        </p:nvSpPr>
+        <p:spPr/>
+        <p:txBody>
+          <a:bodyPr/>
+          <a:lstStyle/>
+          <a:p>
+            <a:r>
+              <a:rPr lang="en-IN" dirty="0"/>
+              <a:t>Custom Exceptions</a:t>
+            </a:r>
+          </a:p>
+        </p:txBody>
+      </p:sp>
+      <p:sp>
+        <p:nvSpPr>
+          <p:cNvPr id="3" name="Content Placeholder 2">
+            <a:extLst>
+              <a:ext uri="{FF2B5EF4-FFF2-40B4-BE49-F238E27FC236}">
+                <a16:creationId xmlns:a16="http://schemas.microsoft.com/office/drawing/2014/main" id="{24E74AF9-7AD6-4466-B04C-16209CC4CCB0}"/>
+              </a:ext>
+            </a:extLst>
+          </p:cNvPr>
+          <p:cNvSpPr>
+            <a:spLocks noGrp="1"/>
+          </p:cNvSpPr>
+          <p:nvPr>
+            <p:ph idx="1"/>
+          </p:nvPr>
+        </p:nvSpPr>
+        <p:spPr/>
+        <p:txBody>
+          <a:bodyPr/>
+          <a:lstStyle/>
+          <a:p>
+            <a:pPr>
+              <a:buFont typeface="Wingdings" panose="05000000000000000000" pitchFamily="2" charset="2"/>
+              <a:buChar char="§"/>
+            </a:pPr>
+            <a:r>
+              <a:rPr lang="en-IN" dirty="0"/>
+              <a:t>Classes derived from </a:t>
+            </a:r>
+            <a:r>
+              <a:rPr lang="en-IN" dirty="0" err="1"/>
+              <a:t>System.ApplicationException</a:t>
+            </a:r>
+            <a:r>
+              <a:rPr lang="en-IN" dirty="0"/>
+              <a:t>. </a:t>
+            </a:r>
+          </a:p>
+          <a:p>
+            <a:pPr>
+              <a:buFont typeface="Wingdings" panose="05000000000000000000" pitchFamily="2" charset="2"/>
+              <a:buChar char="§"/>
+            </a:pPr>
+            <a:r>
+              <a:rPr lang="en-IN" dirty="0"/>
+              <a:t>The class will have at least 3 overloaded Constructors. </a:t>
+            </a:r>
+          </a:p>
+          <a:p>
+            <a:pPr>
+              <a:buFont typeface="Wingdings" panose="05000000000000000000" pitchFamily="2" charset="2"/>
+              <a:buChar char="§"/>
+            </a:pPr>
+            <a:r>
+              <a:rPr lang="en-IN" dirty="0"/>
+              <a:t>Constructors:</a:t>
+            </a:r>
+          </a:p>
+          <a:p>
+            <a:pPr lvl="1">
+              <a:buFont typeface="Wingdings" panose="05000000000000000000" pitchFamily="2" charset="2"/>
+              <a:buChar char="§"/>
+            </a:pPr>
+            <a:r>
+              <a:rPr lang="en-IN" dirty="0"/>
+              <a:t>Default Constructor(No </a:t>
+            </a:r>
+            <a:r>
+              <a:rPr lang="en-IN" dirty="0" err="1"/>
+              <a:t>Args</a:t>
+            </a:r>
+            <a:r>
+              <a:rPr lang="en-IN" dirty="0"/>
+              <a:t>)</a:t>
+            </a:r>
+          </a:p>
+          <a:p>
+            <a:pPr lvl="1">
+              <a:buFont typeface="Wingdings" panose="05000000000000000000" pitchFamily="2" charset="2"/>
+              <a:buChar char="§"/>
+            </a:pPr>
+            <a:r>
+              <a:rPr lang="en-IN" dirty="0"/>
+              <a:t>Constructor with String as </a:t>
+            </a:r>
+            <a:r>
+              <a:rPr lang="en-IN" dirty="0" err="1"/>
+              <a:t>Arg</a:t>
+            </a:r>
+            <a:endParaRPr lang="en-IN" dirty="0"/>
+          </a:p>
+          <a:p>
+            <a:pPr lvl="1">
+              <a:buFont typeface="Wingdings" panose="05000000000000000000" pitchFamily="2" charset="2"/>
+              <a:buChar char="§"/>
+            </a:pPr>
+            <a:r>
+              <a:rPr lang="en-IN" dirty="0"/>
+              <a:t>Constructor with String and Exception as </a:t>
+            </a:r>
+            <a:r>
+              <a:rPr lang="en-IN" dirty="0" err="1"/>
+              <a:t>Arg</a:t>
+            </a:r>
+            <a:r>
+              <a:rPr lang="en-IN" dirty="0"/>
+              <a:t> where Exception is the System generated Exception. </a:t>
+            </a:r>
+          </a:p>
+          <a:p>
+            <a:pPr lvl="1">
+              <a:buFont typeface="Wingdings" panose="05000000000000000000" pitchFamily="2" charset="2"/>
+              <a:buChar char="§"/>
+            </a:pPr>
+            <a:r>
+              <a:rPr lang="en-IN" dirty="0"/>
+              <a:t>Constructor with String, Exception and Culture Info that defines the </a:t>
+            </a:r>
+            <a:r>
+              <a:rPr lang="en-IN" b="1" u="sng" dirty="0"/>
+              <a:t>UI Culture </a:t>
+            </a:r>
+            <a:r>
+              <a:rPr lang="en-IN" dirty="0"/>
+              <a:t>of the User App.  </a:t>
+            </a:r>
+          </a:p>
+          <a:p>
+            <a:pPr>
+              <a:buFont typeface="Wingdings" panose="05000000000000000000" pitchFamily="2" charset="2"/>
+              <a:buChar char="§"/>
+            </a:pPr>
+            <a:r>
+              <a:rPr lang="en-IN" dirty="0"/>
+              <a:t>Usually not recommended to code anything in the Constructor except it should call the specific base class constructor. </a:t>
+            </a:r>
+          </a:p>
+          <a:p>
+            <a:pPr>
+              <a:buFont typeface="Wingdings" panose="05000000000000000000" pitchFamily="2" charset="2"/>
+              <a:buChar char="§"/>
+            </a:pPr>
+            <a:r>
+              <a:rPr lang="en-IN" dirty="0"/>
+              <a:t>However, some Apps allow to log the Exceptions onto the Logger Component. </a:t>
+            </a:r>
+          </a:p>
+        </p:txBody>
+      </p:sp>
+    </p:spTree>
+    <p:extLst>
+      <p:ext uri="{BB962C8B-B14F-4D97-AF65-F5344CB8AC3E}">
+        <p14:creationId xmlns:p14="http://schemas.microsoft.com/office/powerpoint/2010/main" val="1552357180"/>
+      </p:ext>
+    </p:extLst>
+  </p:cSld>
+  <p:clrMapOvr>
+    <a:masterClrMapping/>
+  </p:clrMapOvr>
+</p:sld>
+</file>
+
+<file path=ppt/slides/slide35.xml><?xml version="1.0" encoding="utf-8"?>
+<p:sld xmlns:a="http://schemas.openxmlformats.org/drawingml/2006/main" xmlns:r="http://schemas.openxmlformats.org/officeDocument/2006/relationships" xmlns:p="http://schemas.openxmlformats.org/presentationml/2006/main">
+  <p:cSld>
+    <p:spTree>
+      <p:nvGrpSpPr>
+        <p:cNvPr id="1" name=""/>
+        <p:cNvGrpSpPr/>
+        <p:nvPr/>
+      </p:nvGrpSpPr>
+      <p:grpSpPr>
+        <a:xfrm>
+          <a:off x="0" y="0"/>
+          <a:ext cx="0" cy="0"/>
+          <a:chOff x="0" y="0"/>
+          <a:chExt cx="0" cy="0"/>
+        </a:xfrm>
+      </p:grpSpPr>
+      <p:sp>
+        <p:nvSpPr>
+          <p:cNvPr id="2" name="Title 1">
+            <a:extLst>
+              <a:ext uri="{FF2B5EF4-FFF2-40B4-BE49-F238E27FC236}">
+                <a16:creationId xmlns:a16="http://schemas.microsoft.com/office/drawing/2014/main" id="{23846E5A-5A60-415F-9CC6-17ECC2CACF43}"/>
+              </a:ext>
+            </a:extLst>
+          </p:cNvPr>
+          <p:cNvSpPr>
+            <a:spLocks noGrp="1"/>
+          </p:cNvSpPr>
+          <p:nvPr>
+            <p:ph type="title"/>
+          </p:nvPr>
+        </p:nvSpPr>
+        <p:spPr/>
+        <p:txBody>
+          <a:bodyPr/>
+          <a:lstStyle/>
+          <a:p>
+            <a:r>
+              <a:rPr lang="en-IN" dirty="0"/>
+              <a:t>DLLs</a:t>
+            </a:r>
+          </a:p>
+        </p:txBody>
+      </p:sp>
+      <p:sp>
+        <p:nvSpPr>
+          <p:cNvPr id="3" name="Content Placeholder 2">
+            <a:extLst>
+              <a:ext uri="{FF2B5EF4-FFF2-40B4-BE49-F238E27FC236}">
+                <a16:creationId xmlns:a16="http://schemas.microsoft.com/office/drawing/2014/main" id="{A5173B50-72AB-465F-BECD-ECF0AE772EB2}"/>
+              </a:ext>
+            </a:extLst>
+          </p:cNvPr>
+          <p:cNvSpPr>
+            <a:spLocks noGrp="1"/>
+          </p:cNvSpPr>
+          <p:nvPr>
+            <p:ph idx="1"/>
+          </p:nvPr>
+        </p:nvSpPr>
+        <p:spPr>
+          <a:xfrm>
+            <a:off x="1097280" y="1883058"/>
+            <a:ext cx="10058400" cy="4023360"/>
+          </a:xfrm>
+        </p:spPr>
+        <p:txBody>
+          <a:bodyPr/>
+          <a:lstStyle/>
+          <a:p>
+            <a:pPr>
+              <a:buFont typeface="Wingdings" panose="05000000000000000000" pitchFamily="2" charset="2"/>
+              <a:buChar char="q"/>
+            </a:pPr>
+            <a:r>
+              <a:rPr lang="en-IN" dirty="0"/>
+              <a:t>Pre-Compiled Units that are language independent.</a:t>
+            </a:r>
+          </a:p>
+          <a:p>
+            <a:pPr>
+              <a:buFont typeface="Wingdings" panose="05000000000000000000" pitchFamily="2" charset="2"/>
+              <a:buChar char="q"/>
+            </a:pPr>
+            <a:r>
+              <a:rPr lang="en-IN" dirty="0"/>
+              <a:t>Class Library is the Project type used to create DLLs. </a:t>
+            </a:r>
+          </a:p>
+          <a:p>
+            <a:pPr>
+              <a:buFont typeface="Wingdings" panose="05000000000000000000" pitchFamily="2" charset="2"/>
+              <a:buChar char="q"/>
+            </a:pPr>
+            <a:r>
+              <a:rPr lang="en-IN" dirty="0"/>
+              <a:t>DLLs are compiled Once and used many times. </a:t>
+            </a:r>
+          </a:p>
+          <a:p>
+            <a:pPr>
+              <a:buFont typeface="Wingdings" panose="05000000000000000000" pitchFamily="2" charset="2"/>
+              <a:buChar char="q"/>
+            </a:pPr>
+            <a:r>
+              <a:rPr lang="en-IN" dirty="0"/>
+              <a:t>DLLs are referenced in EXE Projects and consumed. </a:t>
+            </a:r>
+          </a:p>
+          <a:p>
+            <a:pPr>
+              <a:buFont typeface="Wingdings" panose="05000000000000000000" pitchFamily="2" charset="2"/>
+              <a:buChar char="q"/>
+            </a:pPr>
+            <a:r>
+              <a:rPr lang="en-IN" dirty="0"/>
+              <a:t>DLLs don’t execute. They are referenced in EXE Projects and consumed as objects of the class. </a:t>
+            </a:r>
+          </a:p>
+          <a:p>
+            <a:pPr>
+              <a:buFont typeface="Wingdings" panose="05000000000000000000" pitchFamily="2" charset="2"/>
+              <a:buChar char="q"/>
+            </a:pPr>
+            <a:r>
+              <a:rPr lang="en-IN" dirty="0"/>
+              <a:t>DLLs are called In-Proc Components as the DLL is loaded into the process of the EXE at runtime. </a:t>
+            </a:r>
+          </a:p>
+        </p:txBody>
+      </p:sp>
+    </p:spTree>
+    <p:extLst>
+      <p:ext uri="{BB962C8B-B14F-4D97-AF65-F5344CB8AC3E}">
+        <p14:creationId xmlns:p14="http://schemas.microsoft.com/office/powerpoint/2010/main" val="769880759"/>
+      </p:ext>
+    </p:extLst>
+  </p:cSld>
+  <p:clrMapOvr>
+    <a:masterClrMapping/>
+  </p:clrMapOvr>
+</p:sld>
+</file>
+
+<file path=ppt/slides/slide36.xml><?xml version="1.0" encoding="utf-8"?>
+<p:sld xmlns:a="http://schemas.openxmlformats.org/drawingml/2006/main" xmlns:r="http://schemas.openxmlformats.org/officeDocument/2006/relationships" xmlns:p="http://schemas.openxmlformats.org/presentationml/2006/main">
+  <p:cSld>
+    <p:spTree>
+      <p:nvGrpSpPr>
+        <p:cNvPr id="1" name=""/>
+        <p:cNvGrpSpPr/>
+        <p:nvPr/>
+      </p:nvGrpSpPr>
+      <p:grpSpPr>
+        <a:xfrm>
+          <a:off x="0" y="0"/>
+          <a:ext cx="0" cy="0"/>
+          <a:chOff x="0" y="0"/>
+          <a:chExt cx="0" cy="0"/>
+        </a:xfrm>
+      </p:grpSpPr>
+      <p:sp>
+        <p:nvSpPr>
+          <p:cNvPr id="2" name="Title 1">
+            <a:extLst>
+              <a:ext uri="{FF2B5EF4-FFF2-40B4-BE49-F238E27FC236}">
+                <a16:creationId xmlns:a16="http://schemas.microsoft.com/office/drawing/2014/main" id="{1F426D22-1FC8-4979-A72B-75AC863A637E}"/>
+              </a:ext>
+            </a:extLst>
+          </p:cNvPr>
+          <p:cNvSpPr>
+            <a:spLocks noGrp="1"/>
+          </p:cNvSpPr>
+          <p:nvPr>
+            <p:ph type="title"/>
+          </p:nvPr>
+        </p:nvSpPr>
+        <p:spPr/>
+        <p:txBody>
+          <a:bodyPr/>
+          <a:lstStyle/>
+          <a:p>
+            <a:r>
+              <a:rPr lang="en-IN" dirty="0"/>
+              <a:t>Serialization?</a:t>
+            </a:r>
+          </a:p>
+        </p:txBody>
+      </p:sp>
+      <p:sp>
+        <p:nvSpPr>
+          <p:cNvPr id="3" name="Content Placeholder 2">
+            <a:extLst>
+              <a:ext uri="{FF2B5EF4-FFF2-40B4-BE49-F238E27FC236}">
+                <a16:creationId xmlns:a16="http://schemas.microsoft.com/office/drawing/2014/main" id="{A0273C28-FBF7-42B9-BC7A-A8C1EEE5FF2D}"/>
+              </a:ext>
+            </a:extLst>
+          </p:cNvPr>
+          <p:cNvSpPr>
+            <a:spLocks noGrp="1"/>
+          </p:cNvSpPr>
+          <p:nvPr>
+            <p:ph idx="1"/>
+          </p:nvPr>
+        </p:nvSpPr>
+        <p:spPr/>
+        <p:txBody>
+          <a:bodyPr/>
+          <a:lstStyle/>
+          <a:p>
+            <a:pPr>
+              <a:buFont typeface="Wingdings" panose="05000000000000000000" pitchFamily="2" charset="2"/>
+              <a:buChar char="§"/>
+            </a:pPr>
+            <a:r>
+              <a:rPr lang="en-IN" dirty="0"/>
+              <a:t>Saving the object instead of only the data is called serialization. </a:t>
+            </a:r>
+          </a:p>
+          <a:p>
+            <a:pPr>
+              <a:buFont typeface="Wingdings" panose="05000000000000000000" pitchFamily="2" charset="2"/>
+              <a:buChar char="§"/>
+            </a:pPr>
+            <a:r>
+              <a:rPr lang="en-IN" dirty="0"/>
+              <a:t>Objects when stored can be restored back in other apps that help in IPC. </a:t>
+            </a:r>
+          </a:p>
+          <a:p>
+            <a:pPr lvl="1">
+              <a:buFont typeface="Wingdings" panose="05000000000000000000" pitchFamily="2" charset="2"/>
+              <a:buChar char="§"/>
+            </a:pPr>
+            <a:r>
+              <a:rPr lang="en-IN" dirty="0"/>
+              <a:t>When an object is stored, U store the data, members and metadata of the object. </a:t>
+            </a:r>
+          </a:p>
+          <a:p>
+            <a:pPr>
+              <a:buFont typeface="Wingdings" panose="05000000000000000000" pitchFamily="2" charset="2"/>
+              <a:buChar char="§"/>
+            </a:pPr>
+            <a:r>
+              <a:rPr lang="en-IN" dirty="0"/>
+              <a:t>Serialization can store the data in various formats: XML, Binary and SOAP. </a:t>
+            </a:r>
+          </a:p>
+          <a:p>
+            <a:pPr>
+              <a:buFont typeface="Wingdings" panose="05000000000000000000" pitchFamily="2" charset="2"/>
+              <a:buChar char="§"/>
+            </a:pPr>
+            <a:r>
+              <a:rPr lang="en-IN" dirty="0"/>
+              <a:t>Serialization can allow the object to be saved to memory, file or any Object stream. </a:t>
+            </a:r>
+          </a:p>
+          <a:p>
+            <a:pPr>
+              <a:buFont typeface="Wingdings" panose="05000000000000000000" pitchFamily="2" charset="2"/>
+              <a:buChar char="§"/>
+            </a:pPr>
+            <a:r>
+              <a:rPr lang="en-IN" dirty="0"/>
+              <a:t>How to serialize?</a:t>
+            </a:r>
+          </a:p>
+          <a:p>
+            <a:pPr lvl="1">
+              <a:buFont typeface="Wingdings" panose="05000000000000000000" pitchFamily="2" charset="2"/>
+              <a:buChar char="§"/>
+            </a:pPr>
+            <a:r>
+              <a:rPr lang="en-IN" dirty="0"/>
+              <a:t>Serializable Attribute</a:t>
+            </a:r>
+          </a:p>
+          <a:p>
+            <a:pPr lvl="1">
+              <a:buFont typeface="Wingdings" panose="05000000000000000000" pitchFamily="2" charset="2"/>
+              <a:buChar char="§"/>
+            </a:pPr>
+            <a:r>
+              <a:rPr lang="en-IN" dirty="0"/>
+              <a:t>Location of Serialization: </a:t>
+            </a:r>
+            <a:r>
+              <a:rPr lang="en-IN" dirty="0" err="1"/>
+              <a:t>FileStream</a:t>
+            </a:r>
+            <a:r>
+              <a:rPr lang="en-IN" dirty="0"/>
+              <a:t> object.</a:t>
+            </a:r>
+          </a:p>
+          <a:p>
+            <a:pPr lvl="1">
+              <a:buFont typeface="Wingdings" panose="05000000000000000000" pitchFamily="2" charset="2"/>
+              <a:buChar char="§"/>
+            </a:pPr>
+            <a:r>
+              <a:rPr lang="en-IN" dirty="0"/>
+              <a:t>Format of serialization: Binary, XML or SOAP. </a:t>
+            </a:r>
+          </a:p>
+          <a:p>
+            <a:pPr>
+              <a:buFont typeface="Wingdings" panose="05000000000000000000" pitchFamily="2" charset="2"/>
+              <a:buChar char="§"/>
+            </a:pPr>
+            <a:r>
+              <a:rPr lang="en-IN" dirty="0"/>
+              <a:t>Serialization is not the solution or a replacement of File IO. </a:t>
+            </a:r>
+          </a:p>
+        </p:txBody>
+      </p:sp>
+    </p:spTree>
+    <p:extLst>
+      <p:ext uri="{BB962C8B-B14F-4D97-AF65-F5344CB8AC3E}">
+        <p14:creationId xmlns:p14="http://schemas.microsoft.com/office/powerpoint/2010/main" val="1099328790"/>
+      </p:ext>
+    </p:extLst>
+  </p:cSld>
+  <p:clrMapOvr>
+    <a:masterClrMapping/>
+  </p:clrMapOvr>
+</p:sld>
+</file>
+
+<file path=ppt/slides/slide37.xml><?xml version="1.0" encoding="utf-8"?>
+<p:sld xmlns:a="http://schemas.openxmlformats.org/drawingml/2006/main" xmlns:r="http://schemas.openxmlformats.org/officeDocument/2006/relationships" xmlns:p="http://schemas.openxmlformats.org/presentationml/2006/main">
+  <p:cSld>
+    <p:spTree>
+      <p:nvGrpSpPr>
+        <p:cNvPr id="1" name=""/>
+        <p:cNvGrpSpPr/>
+        <p:nvPr/>
+      </p:nvGrpSpPr>
+      <p:grpSpPr>
+        <a:xfrm>
+          <a:off x="0" y="0"/>
+          <a:ext cx="0" cy="0"/>
+          <a:chOff x="0" y="0"/>
+          <a:chExt cx="0" cy="0"/>
+        </a:xfrm>
+      </p:grpSpPr>
+      <p:sp>
+        <p:nvSpPr>
+          <p:cNvPr id="2" name="Title 1">
+            <a:extLst>
+              <a:ext uri="{FF2B5EF4-FFF2-40B4-BE49-F238E27FC236}">
+                <a16:creationId xmlns:a16="http://schemas.microsoft.com/office/drawing/2014/main" id="{A7FDA6BF-5E52-459F-B683-D792CC3CDB94}"/>
+              </a:ext>
+            </a:extLst>
+          </p:cNvPr>
+          <p:cNvSpPr>
+            <a:spLocks noGrp="1"/>
+          </p:cNvSpPr>
+          <p:nvPr>
+            <p:ph type="title"/>
+          </p:nvPr>
+        </p:nvSpPr>
+        <p:spPr/>
+        <p:txBody>
+          <a:bodyPr/>
+          <a:lstStyle/>
+          <a:p>
+            <a:r>
+              <a:rPr lang="en-IN" dirty="0"/>
+              <a:t>XML Serialization</a:t>
+            </a:r>
+          </a:p>
+        </p:txBody>
+      </p:sp>
+      <p:sp>
+        <p:nvSpPr>
+          <p:cNvPr id="3" name="Content Placeholder 2">
+            <a:extLst>
+              <a:ext uri="{FF2B5EF4-FFF2-40B4-BE49-F238E27FC236}">
+                <a16:creationId xmlns:a16="http://schemas.microsoft.com/office/drawing/2014/main" id="{D6041C10-8351-4036-8BB5-DCC32525C002}"/>
+              </a:ext>
+            </a:extLst>
+          </p:cNvPr>
+          <p:cNvSpPr>
+            <a:spLocks noGrp="1"/>
+          </p:cNvSpPr>
+          <p:nvPr>
+            <p:ph idx="1"/>
+          </p:nvPr>
+        </p:nvSpPr>
+        <p:spPr/>
+        <p:txBody>
+          <a:bodyPr/>
+          <a:lstStyle/>
+          <a:p>
+            <a:pPr>
+              <a:buFont typeface="Arial" panose="020B0604020202020204" pitchFamily="34" charset="0"/>
+              <a:buChar char="•"/>
+            </a:pPr>
+            <a:r>
+              <a:rPr lang="en-IN" dirty="0" err="1"/>
+              <a:t>System.Xml.Serialization</a:t>
+            </a:r>
+            <a:r>
+              <a:rPr lang="en-IN" dirty="0"/>
+              <a:t>.</a:t>
+            </a:r>
+          </a:p>
+          <a:p>
+            <a:pPr>
+              <a:buFont typeface="Arial" panose="020B0604020202020204" pitchFamily="34" charset="0"/>
+              <a:buChar char="•"/>
+            </a:pPr>
+            <a:r>
+              <a:rPr lang="en-IN" dirty="0"/>
+              <a:t>The class whose object is being serialized should be public. </a:t>
+            </a:r>
+          </a:p>
+          <a:p>
+            <a:pPr>
+              <a:buFont typeface="Arial" panose="020B0604020202020204" pitchFamily="34" charset="0"/>
+              <a:buChar char="•"/>
+            </a:pPr>
+            <a:r>
+              <a:rPr lang="en-IN" dirty="0"/>
+              <a:t>Serializable is not required for XML Serialization. </a:t>
+            </a:r>
+          </a:p>
+          <a:p>
+            <a:pPr>
+              <a:buFont typeface="Arial" panose="020B0604020202020204" pitchFamily="34" charset="0"/>
+              <a:buChar char="•"/>
+            </a:pPr>
+            <a:r>
+              <a:rPr lang="en-IN" dirty="0"/>
+              <a:t>Properties should have both getters and Setters. </a:t>
+            </a:r>
+          </a:p>
+          <a:p>
+            <a:pPr>
+              <a:buFont typeface="Arial" panose="020B0604020202020204" pitchFamily="34" charset="0"/>
+              <a:buChar char="•"/>
+            </a:pPr>
+            <a:r>
+              <a:rPr lang="en-IN" dirty="0" err="1"/>
+              <a:t>XmlSerializer</a:t>
+            </a:r>
+            <a:r>
+              <a:rPr lang="en-IN" dirty="0"/>
+              <a:t> is the class that is used for XML serialization.</a:t>
+            </a:r>
+          </a:p>
+        </p:txBody>
+      </p:sp>
+    </p:spTree>
+    <p:extLst>
+      <p:ext uri="{BB962C8B-B14F-4D97-AF65-F5344CB8AC3E}">
+        <p14:creationId xmlns:p14="http://schemas.microsoft.com/office/powerpoint/2010/main" val="4006168848"/>
       </p:ext>
     </p:extLst>
   </p:cSld>
@@ -10555,37 +11870,37 @@
         <a:srgbClr val="000000"/>
       </a:dk1>
       <a:lt1>
-        <a:sysClr val="window" lastClr="FFFFFF"/>
+        <a:srgbClr val="FFFFFF"/>
       </a:lt1>
       <a:dk2>
-        <a:srgbClr val="637052"/>
+        <a:srgbClr val="46464A"/>
       </a:dk2>
       <a:lt2>
-        <a:srgbClr val="CCDDEA"/>
+        <a:srgbClr val="D1D9E1"/>
       </a:lt2>
       <a:accent1>
-        <a:srgbClr val="E48312"/>
+        <a:srgbClr val="6F6F74"/>
       </a:accent1>
       <a:accent2>
-        <a:srgbClr val="BD582C"/>
+        <a:srgbClr val="A7B789"/>
       </a:accent2>
       <a:accent3>
-        <a:srgbClr val="865640"/>
+        <a:srgbClr val="BEAE98"/>
       </a:accent3>
       <a:accent4>
-        <a:srgbClr val="9B8357"/>
+        <a:srgbClr val="92A9B9"/>
       </a:accent4>
       <a:accent5>
-        <a:srgbClr val="C2BC80"/>
+        <a:srgbClr val="9C8265"/>
       </a:accent5>
       <a:accent6>
-        <a:srgbClr val="94A088"/>
+        <a:srgbClr val="8D6974"/>
       </a:accent6>
       <a:hlink>
-        <a:srgbClr val="2998E3"/>
+        <a:srgbClr val="67AABF"/>
       </a:hlink>
       <a:folHlink>
-        <a:srgbClr val="8C8C8C"/>
+        <a:srgbClr val="B1B5AB"/>
       </a:folHlink>
     </a:clrScheme>
     <a:fontScheme name="Retrospect">
@@ -10824,7 +12139,7 @@
   <a:extraClrSchemeLst/>
   <a:extLst>
     <a:ext uri="{05A4C25C-085E-4340-85A3-A5531E510DB2}">
-      <thm15:themeFamily xmlns:thm15="http://schemas.microsoft.com/office/thememl/2012/main" name="Retrospect" id="{5F128B03-DCCA-4EEB-AB3B-CF2899314A46}" vid="{3F1AAB62-24C6-49D2-8E01-B56FAC9A3DCD}"/>
+      <thm15:themeFamily xmlns:thm15="http://schemas.microsoft.com/office/thememl/2012/main" name="Retrospect" id="{5F128B03-DCCA-4EEB-AB3B-CF2899314A46}" vid="{BAB94BD4-5D6D-4148-AB57-A4CCF1FD4E0C}"/>
     </a:ext>
   </a:extLst>
 </a:theme>
